--- a/MSB105 assign 2 presentasjon.pptx
+++ b/MSB105 assign 2 presentasjon.pptx
@@ -21,14 +21,6 @@
     <p:sldId id="269" r:id="rId15"/>
     <p:sldId id="270" r:id="rId16"/>
     <p:sldId id="271" r:id="rId17"/>
-    <p:sldId id="272" r:id="rId18"/>
-    <p:sldId id="273" r:id="rId19"/>
-    <p:sldId id="274" r:id="rId20"/>
-    <p:sldId id="275" r:id="rId21"/>
-    <p:sldId id="276" r:id="rId22"/>
-    <p:sldId id="277" r:id="rId23"/>
-    <p:sldId id="278" r:id="rId24"/>
-    <p:sldId id="279" r:id="rId25"/>
   </p:sldIdLst>
   <p:sldSz cx="9144000" cy="5143500" type="screen16x9"/>
   <p:notesSz cx="6858000" cy="9144000"/>
@@ -3195,7 +3187,7 @@
             </a:pPr>
             <a:r>
               <a:rPr/>
-              <a:t>Friday 17 Oct, 2025</a:t>
+              <a:t>Monday 20 Oct, 2025</a:t>
             </a:r>
           </a:p>
         </p:txBody>
@@ -3222,34 +3214,9 @@
           <a:chExt cx="0" cy="0"/>
         </a:xfrm>
       </p:grpSpPr>
-      <p:sp>
-        <p:nvSpPr>
-          <p:cNvPr id="2" name="Title 1"/>
-          <p:cNvSpPr>
-            <a:spLocks noGrp="1"/>
-          </p:cNvSpPr>
-          <p:nvPr>
-            <p:ph type="title"/>
-          </p:nvPr>
-        </p:nvSpPr>
-        <p:spPr/>
-        <p:txBody>
-          <a:bodyPr/>
-          <a:lstStyle/>
-          <a:p>
-            <a:pPr lvl="0" indent="0" marL="0">
-              <a:buNone/>
-            </a:pPr>
-            <a:r>
-              <a:rPr/>
-              <a:t>6 Kjønnsforskjeller</a:t>
-            </a:r>
-          </a:p>
-        </p:txBody>
-      </p:sp>
       <p:pic>
         <p:nvPicPr>
-          <p:cNvPr descr="MSB105-assign-2-presentasjon_files/figure-pptx/unnamed-chunk-5-1.png" id="0" name="Picture 1"/>
+          <p:cNvPr descr="MSB105-assign-2-presentasjon_files/figure-pptx/Fordeling%20av%20AFQT-1.png" id="0" name="Picture 1"/>
           <p:cNvPicPr>
             <a:picLocks noGrp="1" noChangeAspect="1"/>
           </p:cNvPicPr>
@@ -3299,9 +3266,34 @@
           <a:chExt cx="0" cy="0"/>
         </a:xfrm>
       </p:grpSpPr>
+      <p:sp>
+        <p:nvSpPr>
+          <p:cNvPr id="2" name="Title 1"/>
+          <p:cNvSpPr>
+            <a:spLocks noGrp="1"/>
+          </p:cNvSpPr>
+          <p:nvPr>
+            <p:ph type="title"/>
+          </p:nvPr>
+        </p:nvSpPr>
+        <p:spPr/>
+        <p:txBody>
+          <a:bodyPr/>
+          <a:lstStyle/>
+          <a:p>
+            <a:pPr lvl="0" indent="0" marL="0">
+              <a:buNone/>
+            </a:pPr>
+            <a:r>
+              <a:rPr/>
+              <a:t>7 Sammenhenger</a:t>
+            </a:r>
+          </a:p>
+        </p:txBody>
+      </p:sp>
       <p:pic>
         <p:nvPicPr>
-          <p:cNvPr descr="MSB105-assign-2-presentasjon_files/figure-pptx/unnamed-chunk-5-2.png" id="0" name="Picture 1"/>
+          <p:cNvPr descr="MSB105-assign-2-presentasjon_files/figure-pptx/unnamed-chunk-5-1.png" id="0" name="Picture 1"/>
           <p:cNvPicPr>
             <a:picLocks noGrp="1" noChangeAspect="1"/>
           </p:cNvPicPr>
@@ -3335,558 +3327,6 @@
 </file>
 
 <file path=ppt/slides/slide12.xml><?xml version="1.0" encoding="utf-8"?>
-<p:sld xmlns:a="http://schemas.openxmlformats.org/drawingml/2006/main" xmlns:r="http://schemas.openxmlformats.org/officeDocument/2006/relationships" xmlns:p="http://schemas.openxmlformats.org/presentationml/2006/main">
-  <p:cSld>
-    <p:spTree>
-      <p:nvGrpSpPr>
-        <p:cNvPr id="1" name=""/>
-        <p:cNvGrpSpPr/>
-        <p:nvPr/>
-      </p:nvGrpSpPr>
-      <p:grpSpPr>
-        <a:xfrm>
-          <a:off x="0" y="0"/>
-          <a:ext cx="0" cy="0"/>
-          <a:chOff x="0" y="0"/>
-          <a:chExt cx="0" cy="0"/>
-        </a:xfrm>
-      </p:grpSpPr>
-      <p:pic>
-        <p:nvPicPr>
-          <p:cNvPr descr="MSB105-assign-2-presentasjon_files/figure-pptx/unnamed-chunk-5-3.png" id="0" name="Picture 1"/>
-          <p:cNvPicPr>
-            <a:picLocks noGrp="1" noChangeAspect="1"/>
-          </p:cNvPicPr>
-          <p:nvPr/>
-        </p:nvPicPr>
-        <p:blipFill>
-          <a:blip r:embed="rId2"/>
-          <a:stretch>
-            <a:fillRect/>
-          </a:stretch>
-        </p:blipFill>
-        <p:spPr bwMode="auto">
-          <a:xfrm>
-            <a:off x="1181100" y="1193800"/>
-            <a:ext cx="6781800" cy="3390900"/>
-          </a:xfrm>
-          <a:prstGeom prst="rect">
-            <a:avLst/>
-          </a:prstGeom>
-          <a:noFill/>
-          <a:ln w="9525">
-            <a:noFill/>
-            <a:headEnd/>
-            <a:tailEnd/>
-          </a:ln>
-        </p:spPr>
-      </p:pic>
-    </p:spTree>
-  </p:cSld>
-</p:sld>
-</file>
-
-<file path=ppt/slides/slide13.xml><?xml version="1.0" encoding="utf-8"?>
-<p:sld xmlns:a="http://schemas.openxmlformats.org/drawingml/2006/main" xmlns:r="http://schemas.openxmlformats.org/officeDocument/2006/relationships" xmlns:p="http://schemas.openxmlformats.org/presentationml/2006/main">
-  <p:cSld>
-    <p:spTree>
-      <p:nvGrpSpPr>
-        <p:cNvPr id="1" name=""/>
-        <p:cNvGrpSpPr/>
-        <p:nvPr/>
-      </p:nvGrpSpPr>
-      <p:grpSpPr>
-        <a:xfrm>
-          <a:off x="0" y="0"/>
-          <a:ext cx="0" cy="0"/>
-          <a:chOff x="0" y="0"/>
-          <a:chExt cx="0" cy="0"/>
-        </a:xfrm>
-      </p:grpSpPr>
-      <p:pic>
-        <p:nvPicPr>
-          <p:cNvPr descr="MSB105-assign-2-presentasjon_files/figure-pptx/unnamed-chunk-5-4.png" id="0" name="Picture 1"/>
-          <p:cNvPicPr>
-            <a:picLocks noGrp="1" noChangeAspect="1"/>
-          </p:cNvPicPr>
-          <p:nvPr/>
-        </p:nvPicPr>
-        <p:blipFill>
-          <a:blip r:embed="rId2"/>
-          <a:stretch>
-            <a:fillRect/>
-          </a:stretch>
-        </p:blipFill>
-        <p:spPr bwMode="auto">
-          <a:xfrm>
-            <a:off x="1181100" y="1193800"/>
-            <a:ext cx="6781800" cy="3390900"/>
-          </a:xfrm>
-          <a:prstGeom prst="rect">
-            <a:avLst/>
-          </a:prstGeom>
-          <a:noFill/>
-          <a:ln w="9525">
-            <a:noFill/>
-            <a:headEnd/>
-            <a:tailEnd/>
-          </a:ln>
-        </p:spPr>
-      </p:pic>
-    </p:spTree>
-  </p:cSld>
-</p:sld>
-</file>
-
-<file path=ppt/slides/slide14.xml><?xml version="1.0" encoding="utf-8"?>
-<p:sld xmlns:a="http://schemas.openxmlformats.org/drawingml/2006/main" xmlns:r="http://schemas.openxmlformats.org/officeDocument/2006/relationships" xmlns:p="http://schemas.openxmlformats.org/presentationml/2006/main">
-  <p:cSld>
-    <p:spTree>
-      <p:nvGrpSpPr>
-        <p:cNvPr id="1" name=""/>
-        <p:cNvGrpSpPr/>
-        <p:nvPr/>
-      </p:nvGrpSpPr>
-      <p:grpSpPr>
-        <a:xfrm>
-          <a:off x="0" y="0"/>
-          <a:ext cx="0" cy="0"/>
-          <a:chOff x="0" y="0"/>
-          <a:chExt cx="0" cy="0"/>
-        </a:xfrm>
-      </p:grpSpPr>
-      <p:pic>
-        <p:nvPicPr>
-          <p:cNvPr descr="MSB105-assign-2-presentasjon_files/figure-pptx/unnamed-chunk-6-1.png" id="0" name="Picture 1"/>
-          <p:cNvPicPr>
-            <a:picLocks noGrp="1" noChangeAspect="1"/>
-          </p:cNvPicPr>
-          <p:nvPr/>
-        </p:nvPicPr>
-        <p:blipFill>
-          <a:blip r:embed="rId2"/>
-          <a:stretch>
-            <a:fillRect/>
-          </a:stretch>
-        </p:blipFill>
-        <p:spPr bwMode="auto">
-          <a:xfrm>
-            <a:off x="1181100" y="1193800"/>
-            <a:ext cx="6781800" cy="3390900"/>
-          </a:xfrm>
-          <a:prstGeom prst="rect">
-            <a:avLst/>
-          </a:prstGeom>
-          <a:noFill/>
-          <a:ln w="9525">
-            <a:noFill/>
-            <a:headEnd/>
-            <a:tailEnd/>
-          </a:ln>
-        </p:spPr>
-      </p:pic>
-    </p:spTree>
-  </p:cSld>
-</p:sld>
-</file>
-
-<file path=ppt/slides/slide15.xml><?xml version="1.0" encoding="utf-8"?>
-<p:sld xmlns:a="http://schemas.openxmlformats.org/drawingml/2006/main" xmlns:r="http://schemas.openxmlformats.org/officeDocument/2006/relationships" xmlns:p="http://schemas.openxmlformats.org/presentationml/2006/main">
-  <p:cSld>
-    <p:spTree>
-      <p:nvGrpSpPr>
-        <p:cNvPr id="1" name=""/>
-        <p:cNvGrpSpPr/>
-        <p:nvPr/>
-      </p:nvGrpSpPr>
-      <p:grpSpPr>
-        <a:xfrm>
-          <a:off x="0" y="0"/>
-          <a:ext cx="0" cy="0"/>
-          <a:chOff x="0" y="0"/>
-          <a:chExt cx="0" cy="0"/>
-        </a:xfrm>
-      </p:grpSpPr>
-      <p:pic>
-        <p:nvPicPr>
-          <p:cNvPr descr="MSB105-assign-2-presentasjon_files/figure-pptx/unnamed-chunk-6-2.png" id="0" name="Picture 1"/>
-          <p:cNvPicPr>
-            <a:picLocks noGrp="1" noChangeAspect="1"/>
-          </p:cNvPicPr>
-          <p:nvPr/>
-        </p:nvPicPr>
-        <p:blipFill>
-          <a:blip r:embed="rId2"/>
-          <a:stretch>
-            <a:fillRect/>
-          </a:stretch>
-        </p:blipFill>
-        <p:spPr bwMode="auto">
-          <a:xfrm>
-            <a:off x="1181100" y="1193800"/>
-            <a:ext cx="6781800" cy="3390900"/>
-          </a:xfrm>
-          <a:prstGeom prst="rect">
-            <a:avLst/>
-          </a:prstGeom>
-          <a:noFill/>
-          <a:ln w="9525">
-            <a:noFill/>
-            <a:headEnd/>
-            <a:tailEnd/>
-          </a:ln>
-        </p:spPr>
-      </p:pic>
-    </p:spTree>
-  </p:cSld>
-</p:sld>
-</file>
-
-<file path=ppt/slides/slide16.xml><?xml version="1.0" encoding="utf-8"?>
-<p:sld xmlns:a="http://schemas.openxmlformats.org/drawingml/2006/main" xmlns:r="http://schemas.openxmlformats.org/officeDocument/2006/relationships" xmlns:p="http://schemas.openxmlformats.org/presentationml/2006/main">
-  <p:cSld>
-    <p:spTree>
-      <p:nvGrpSpPr>
-        <p:cNvPr id="1" name=""/>
-        <p:cNvGrpSpPr/>
-        <p:nvPr/>
-      </p:nvGrpSpPr>
-      <p:grpSpPr>
-        <a:xfrm>
-          <a:off x="0" y="0"/>
-          <a:ext cx="0" cy="0"/>
-          <a:chOff x="0" y="0"/>
-          <a:chExt cx="0" cy="0"/>
-        </a:xfrm>
-      </p:grpSpPr>
-      <p:pic>
-        <p:nvPicPr>
-          <p:cNvPr descr="MSB105-assign-2-presentasjon_files/figure-pptx/unnamed-chunk-7-1.png" id="0" name="Picture 1"/>
-          <p:cNvPicPr>
-            <a:picLocks noGrp="1" noChangeAspect="1"/>
-          </p:cNvPicPr>
-          <p:nvPr/>
-        </p:nvPicPr>
-        <p:blipFill>
-          <a:blip r:embed="rId2"/>
-          <a:stretch>
-            <a:fillRect/>
-          </a:stretch>
-        </p:blipFill>
-        <p:spPr bwMode="auto">
-          <a:xfrm>
-            <a:off x="1181100" y="1193800"/>
-            <a:ext cx="6781800" cy="3390900"/>
-          </a:xfrm>
-          <a:prstGeom prst="rect">
-            <a:avLst/>
-          </a:prstGeom>
-          <a:noFill/>
-          <a:ln w="9525">
-            <a:noFill/>
-            <a:headEnd/>
-            <a:tailEnd/>
-          </a:ln>
-        </p:spPr>
-      </p:pic>
-    </p:spTree>
-  </p:cSld>
-</p:sld>
-</file>
-
-<file path=ppt/slides/slide17.xml><?xml version="1.0" encoding="utf-8"?>
-<p:sld xmlns:a="http://schemas.openxmlformats.org/drawingml/2006/main" xmlns:r="http://schemas.openxmlformats.org/officeDocument/2006/relationships" xmlns:p="http://schemas.openxmlformats.org/presentationml/2006/main">
-  <p:cSld>
-    <p:spTree>
-      <p:nvGrpSpPr>
-        <p:cNvPr id="1" name=""/>
-        <p:cNvGrpSpPr/>
-        <p:nvPr/>
-      </p:nvGrpSpPr>
-      <p:grpSpPr>
-        <a:xfrm>
-          <a:off x="0" y="0"/>
-          <a:ext cx="0" cy="0"/>
-          <a:chOff x="0" y="0"/>
-          <a:chExt cx="0" cy="0"/>
-        </a:xfrm>
-      </p:grpSpPr>
-      <p:graphicFrame>
-        <p:nvGraphicFramePr>
-          <p:cNvPr id="6" name="Content Placeholder 5"/>
-          <p:cNvGraphicFramePr>
-            <a:graphicFrameLocks noGrp="1"/>
-          </p:cNvGraphicFramePr>
-          <p:nvPr>
-            <p:ph idx="1"/>
-          </p:nvPr>
-        </p:nvGraphicFramePr>
-        <p:xfrm>
-          <a:off x="457200" y="1193800"/>
-          <a:ext cx="8229600" cy="3390900"/>
-        </p:xfrm>
-        <a:graphic>
-          <a:graphicData uri="http://schemas.openxmlformats.org/drawingml/2006/table">
-            <a:tbl>
-              <a:tblPr firstRow="1" bandRow="1">
-                <a:tableStyleId>{5C22544A-7EE6-4342-B048-85BDC9FD1C3A}</a:tableStyleId>
-              </a:tblPr>
-              <a:tblGrid>
-                <a:gridCol w="4114800"/>
-                <a:gridCol w="4114800"/>
-              </a:tblGrid>
-              <a:tr h="0">
-                <a:tc>
-                  <a:txBody>
-                    <a:bodyPr/>
-                    <a:lstStyle/>
-                    <a:p>
-                      <a:pPr lvl="0" indent="0" marL="0" algn="ctr">
-                        <a:buNone/>
-                      </a:pPr>
-                      <a:r>
-                        <a:rPr/>
-                        <a:t>Gj.snitt (menn)</a:t>
-                      </a:r>
-                    </a:p>
-                  </a:txBody>
-                  <a:tcPr/>
-                </a:tc>
-                <a:tc>
-                  <a:txBody>
-                    <a:bodyPr/>
-                    <a:lstStyle/>
-                    <a:p>
-                      <a:pPr lvl="0" indent="0" marL="0" algn="ctr">
-                        <a:buNone/>
-                      </a:pPr>
-                      <a:r>
-                        <a:rPr/>
-                        <a:t>Gj.snitt (kvinner)</a:t>
-                      </a:r>
-                    </a:p>
-                  </a:txBody>
-                  <a:tcPr/>
-                </a:tc>
-              </a:tr>
-              <a:tr h="0">
-                <a:tc>
-                  <a:txBody>
-                    <a:bodyPr/>
-                    <a:lstStyle/>
-                    <a:p>
-                      <a:pPr lvl="0" indent="0" marL="0" algn="ctr">
-                        <a:buNone/>
-                      </a:pPr>
-                      <a:r>
-                        <a:rPr/>
-                        <a:t>53510</a:t>
-                      </a:r>
-                    </a:p>
-                  </a:txBody>
-                </a:tc>
-                <a:tc>
-                  <a:txBody>
-                    <a:bodyPr/>
-                    <a:lstStyle/>
-                    <a:p>
-                      <a:pPr lvl="0" indent="0" marL="0" algn="ctr">
-                        <a:buNone/>
-                      </a:pPr>
-                      <a:r>
-                        <a:rPr/>
-                        <a:t>29588</a:t>
-                      </a:r>
-                    </a:p>
-                  </a:txBody>
-                </a:tc>
-              </a:tr>
-            </a:tbl>
-          </a:graphicData>
-        </a:graphic>
-      </p:graphicFrame>
-    </p:spTree>
-  </p:cSld>
-</p:sld>
-</file>
-
-<file path=ppt/slides/slide18.xml><?xml version="1.0" encoding="utf-8"?>
-<p:sld xmlns:a="http://schemas.openxmlformats.org/drawingml/2006/main" xmlns:r="http://schemas.openxmlformats.org/officeDocument/2006/relationships" xmlns:p="http://schemas.openxmlformats.org/presentationml/2006/main">
-  <p:cSld>
-    <p:spTree>
-      <p:nvGrpSpPr>
-        <p:cNvPr id="1" name=""/>
-        <p:cNvGrpSpPr/>
-        <p:nvPr/>
-      </p:nvGrpSpPr>
-      <p:grpSpPr>
-        <a:xfrm>
-          <a:off x="0" y="0"/>
-          <a:ext cx="0" cy="0"/>
-          <a:chOff x="0" y="0"/>
-          <a:chExt cx="0" cy="0"/>
-        </a:xfrm>
-      </p:grpSpPr>
-      <p:pic>
-        <p:nvPicPr>
-          <p:cNvPr descr="MSB105-assign-2-presentasjon_files/figure-pptx/unnamed-chunk-8-1.png" id="0" name="Picture 1"/>
-          <p:cNvPicPr>
-            <a:picLocks noGrp="1" noChangeAspect="1"/>
-          </p:cNvPicPr>
-          <p:nvPr/>
-        </p:nvPicPr>
-        <p:blipFill>
-          <a:blip r:embed="rId2"/>
-          <a:stretch>
-            <a:fillRect/>
-          </a:stretch>
-        </p:blipFill>
-        <p:spPr bwMode="auto">
-          <a:xfrm>
-            <a:off x="1181100" y="1193800"/>
-            <a:ext cx="6781800" cy="3390900"/>
-          </a:xfrm>
-          <a:prstGeom prst="rect">
-            <a:avLst/>
-          </a:prstGeom>
-          <a:noFill/>
-          <a:ln w="9525">
-            <a:noFill/>
-            <a:headEnd/>
-            <a:tailEnd/>
-          </a:ln>
-        </p:spPr>
-      </p:pic>
-    </p:spTree>
-  </p:cSld>
-</p:sld>
-</file>
-
-<file path=ppt/slides/slide19.xml><?xml version="1.0" encoding="utf-8"?>
-<p:sld xmlns:a="http://schemas.openxmlformats.org/drawingml/2006/main" xmlns:r="http://schemas.openxmlformats.org/officeDocument/2006/relationships" xmlns:p="http://schemas.openxmlformats.org/presentationml/2006/main">
-  <p:cSld>
-    <p:spTree>
-      <p:nvGrpSpPr>
-        <p:cNvPr id="1" name=""/>
-        <p:cNvGrpSpPr/>
-        <p:nvPr/>
-      </p:nvGrpSpPr>
-      <p:grpSpPr>
-        <a:xfrm>
-          <a:off x="0" y="0"/>
-          <a:ext cx="0" cy="0"/>
-          <a:chOff x="0" y="0"/>
-          <a:chExt cx="0" cy="0"/>
-        </a:xfrm>
-      </p:grpSpPr>
-      <p:sp>
-        <p:nvSpPr>
-          <p:cNvPr id="2" name="Title 1"/>
-          <p:cNvSpPr>
-            <a:spLocks noGrp="1"/>
-          </p:cNvSpPr>
-          <p:nvPr>
-            <p:ph type="title"/>
-          </p:nvPr>
-        </p:nvSpPr>
-        <p:spPr/>
-        <p:txBody>
-          <a:bodyPr/>
-          <a:lstStyle/>
-          <a:p>
-            <a:pPr lvl="0" indent="0" marL="0">
-              <a:buNone/>
-            </a:pPr>
-            <a:r>
-              <a:rPr/>
-              <a:t>7 Sammenhenger</a:t>
-            </a:r>
-          </a:p>
-        </p:txBody>
-      </p:sp>
-      <p:pic>
-        <p:nvPicPr>
-          <p:cNvPr descr="MSB105-assign-2-presentasjon_files/figure-pptx/unnamed-chunk-9-1.png" id="0" name="Picture 1"/>
-          <p:cNvPicPr>
-            <a:picLocks noGrp="1" noChangeAspect="1"/>
-          </p:cNvPicPr>
-          <p:nvPr/>
-        </p:nvPicPr>
-        <p:blipFill>
-          <a:blip r:embed="rId2"/>
-          <a:stretch>
-            <a:fillRect/>
-          </a:stretch>
-        </p:blipFill>
-        <p:spPr bwMode="auto">
-          <a:xfrm>
-            <a:off x="1181100" y="1193800"/>
-            <a:ext cx="6781800" cy="3390900"/>
-          </a:xfrm>
-          <a:prstGeom prst="rect">
-            <a:avLst/>
-          </a:prstGeom>
-          <a:noFill/>
-          <a:ln w="9525">
-            <a:noFill/>
-            <a:headEnd/>
-            <a:tailEnd/>
-          </a:ln>
-        </p:spPr>
-      </p:pic>
-    </p:spTree>
-  </p:cSld>
-</p:sld>
-</file>
-
-<file path=ppt/slides/slide2.xml><?xml version="1.0" encoding="utf-8"?>
-<p:sld xmlns:a="http://schemas.openxmlformats.org/drawingml/2006/main" xmlns:r="http://schemas.openxmlformats.org/officeDocument/2006/relationships" xmlns:p="http://schemas.openxmlformats.org/presentationml/2006/main">
-  <p:cSld>
-    <p:spTree>
-      <p:nvGrpSpPr>
-        <p:cNvPr id="1" name=""/>
-        <p:cNvGrpSpPr/>
-        <p:nvPr/>
-      </p:nvGrpSpPr>
-      <p:grpSpPr>
-        <a:xfrm>
-          <a:off x="0" y="0"/>
-          <a:ext cx="0" cy="0"/>
-          <a:chOff x="0" y="0"/>
-          <a:chExt cx="0" cy="0"/>
-        </a:xfrm>
-      </p:grpSpPr>
-      <p:sp>
-        <p:nvSpPr>
-          <p:cNvPr id="3" name="Content Placeholder 2"/>
-          <p:cNvSpPr>
-            <a:spLocks noGrp="1"/>
-          </p:cNvSpPr>
-          <p:nvPr>
-            <p:ph idx="1"/>
-          </p:nvPr>
-        </p:nvSpPr>
-        <p:spPr/>
-        <p:txBody>
-          <a:bodyPr/>
-          <a:lstStyle/>
-          <a:p>
-            <a:pPr lvl="0" indent="0" marL="0">
-              <a:buNone/>
-            </a:pPr>
-            <a:r>
-              <a:rPr/>
-              <a:t>(Lin, Lutter, and Ruhm, n.d.) (“Judge” n.d.)</a:t>
-            </a:r>
-          </a:p>
-        </p:txBody>
-      </p:sp>
-    </p:spTree>
-  </p:cSld>
-</p:sld>
-</file>
-
-<file path=ppt/slides/slide20.xml><?xml version="1.0" encoding="utf-8"?>
 <p:sld xmlns:a="http://schemas.openxmlformats.org/drawingml/2006/main" xmlns:r="http://schemas.openxmlformats.org/officeDocument/2006/relationships" xmlns:p="http://schemas.openxmlformats.org/presentationml/2006/main">
   <p:cSld>
     <p:spTree>
@@ -3995,7 +3435,7 @@
 </p:sld>
 </file>
 
-<file path=ppt/slides/slide21.xml><?xml version="1.0" encoding="utf-8"?>
+<file path=ppt/slides/slide13.xml><?xml version="1.0" encoding="utf-8"?>
 <p:sld xmlns:a="http://schemas.openxmlformats.org/drawingml/2006/main" xmlns:r="http://schemas.openxmlformats.org/officeDocument/2006/relationships" xmlns:p="http://schemas.openxmlformats.org/presentationml/2006/main">
   <p:cSld>
     <p:spTree>
@@ -4014,7 +3454,7 @@
       </p:grpSpPr>
       <p:pic>
         <p:nvPicPr>
-          <p:cNvPr descr="MSB105-assign-2-presentasjon_files/figure-pptx/unnamed-chunk-10-1.png" id="0" name="Picture 1"/>
+          <p:cNvPr descr="MSB105-assign-2-presentasjon_files/figure-pptx/unnamed-chunk-6-1.png" id="0" name="Picture 1"/>
           <p:cNvPicPr>
             <a:picLocks noGrp="1" noChangeAspect="1"/>
           </p:cNvPicPr>
@@ -4047,7 +3487,7 @@
 </p:sld>
 </file>
 
-<file path=ppt/slides/slide22.xml><?xml version="1.0" encoding="utf-8"?>
+<file path=ppt/slides/slide14.xml><?xml version="1.0" encoding="utf-8"?>
 <p:sld xmlns:a="http://schemas.openxmlformats.org/drawingml/2006/main" xmlns:r="http://schemas.openxmlformats.org/officeDocument/2006/relationships" xmlns:p="http://schemas.openxmlformats.org/presentationml/2006/main">
   <p:cSld>
     <p:spTree>
@@ -4537,7 +3977,7 @@
 </p:sld>
 </file>
 
-<file path=ppt/slides/slide23.xml><?xml version="1.0" encoding="utf-8"?>
+<file path=ppt/slides/slide15.xml><?xml version="1.0" encoding="utf-8"?>
 <p:sld xmlns:a="http://schemas.openxmlformats.org/drawingml/2006/main" xmlns:r="http://schemas.openxmlformats.org/officeDocument/2006/relationships" xmlns:p="http://schemas.openxmlformats.org/presentationml/2006/main">
   <p:cSld>
     <p:spTree>
@@ -4640,7 +4080,7 @@
 </p:sld>
 </file>
 
-<file path=ppt/slides/slide24.xml><?xml version="1.0" encoding="utf-8"?>
+<file path=ppt/slides/slide16.xml><?xml version="1.0" encoding="utf-8"?>
 <p:sld xmlns:a="http://schemas.openxmlformats.org/drawingml/2006/main" xmlns:r="http://schemas.openxmlformats.org/officeDocument/2006/relationships" xmlns:p="http://schemas.openxmlformats.org/presentationml/2006/main">
   <p:cSld>
     <p:spTree>
@@ -4748,6 +4188,53 @@
             <a:r>
               <a:rPr/>
               <a:t>“Women Benefit the Most from Taking Higher Education.” n.d. https://kifinfo.no/en/2025/04/women-benefit-most-taking-higher-education. Accessed October 16, 2025.</a:t>
+            </a:r>
+          </a:p>
+        </p:txBody>
+      </p:sp>
+    </p:spTree>
+  </p:cSld>
+</p:sld>
+</file>
+
+<file path=ppt/slides/slide2.xml><?xml version="1.0" encoding="utf-8"?>
+<p:sld xmlns:a="http://schemas.openxmlformats.org/drawingml/2006/main" xmlns:r="http://schemas.openxmlformats.org/officeDocument/2006/relationships" xmlns:p="http://schemas.openxmlformats.org/presentationml/2006/main">
+  <p:cSld>
+    <p:spTree>
+      <p:nvGrpSpPr>
+        <p:cNvPr id="1" name=""/>
+        <p:cNvGrpSpPr/>
+        <p:nvPr/>
+      </p:nvGrpSpPr>
+      <p:grpSpPr>
+        <a:xfrm>
+          <a:off x="0" y="0"/>
+          <a:ext cx="0" cy="0"/>
+          <a:chOff x="0" y="0"/>
+          <a:chExt cx="0" cy="0"/>
+        </a:xfrm>
+      </p:grpSpPr>
+      <p:sp>
+        <p:nvSpPr>
+          <p:cNvPr id="3" name="Content Placeholder 2"/>
+          <p:cNvSpPr>
+            <a:spLocks noGrp="1"/>
+          </p:cNvSpPr>
+          <p:nvPr>
+            <p:ph idx="1"/>
+          </p:nvPr>
+        </p:nvSpPr>
+        <p:spPr/>
+        <p:txBody>
+          <a:bodyPr/>
+          <a:lstStyle/>
+          <a:p>
+            <a:pPr lvl="0" indent="0" marL="0">
+              <a:buNone/>
+            </a:pPr>
+            <a:r>
+              <a:rPr/>
+              <a:t>(Lin, Lutter, and Ruhm, n.d.) (“Judge” n.d.)</a:t>
             </a:r>
           </a:p>
         </p:txBody>
@@ -5032,46 +4519,6 @@
           </a:p>
         </p:txBody>
       </p:sp>
-      <p:sp>
-        <p:nvSpPr>
-          <p:cNvPr id="3" name="Content Placeholder 2"/>
-          <p:cNvSpPr>
-            <a:spLocks noGrp="1"/>
-          </p:cNvSpPr>
-          <p:nvPr>
-            <p:ph idx="1"/>
-          </p:nvPr>
-        </p:nvSpPr>
-        <p:spPr/>
-        <p:txBody>
-          <a:bodyPr/>
-          <a:lstStyle/>
-          <a:p>
-            <a:pPr lvl="0" indent="0">
-              <a:buNone/>
-            </a:pPr>
-            <a:r>
-              <a:rPr>
-                <a:latin typeface="Courier"/>
-              </a:rPr>
-              <a:t># A tibble: 7,006 × 8
-   income height weight   age marital  sex    education  afqt
-    &lt;int&gt;  &lt;dbl&gt;  &lt;int&gt; &lt;int&gt; &lt;fct&gt;    &lt;fct&gt;      &lt;int&gt; &lt;dbl&gt;
- 1  19000     60    155    53 married  female        13  6.84
- 2  35000     70    156    51 married  female        10 49.4 
- 3 105000     65    195    52 married  male          16 99.4 
- 4  40000     63    197    54 married  female        14 44.0 
- 5  75000     66    190    49 married  male          14 59.7 
- 6 102000     68    200    49 divorced female        18 98.8 
- 7      0     74    225    48 married  male          16 82.3 
- 8  70000     64    160    54 divorced female        12 50.3 
- 9  60000     69    162    55 divorced male          12 89.7 
-10 150000     69    194    54 divorced male          13 96.0 
-# ℹ 6,996 more rows</a:t>
-            </a:r>
-          </a:p>
-        </p:txBody>
-      </p:sp>
     </p:spTree>
   </p:cSld>
 </p:sld>
@@ -5119,28 +4566,6 @@
           </a:p>
         </p:txBody>
       </p:sp>
-    </p:spTree>
-  </p:cSld>
-</p:sld>
-</file>
-
-<file path=ppt/slides/slide7.xml><?xml version="1.0" encoding="utf-8"?>
-<p:sld xmlns:a="http://schemas.openxmlformats.org/drawingml/2006/main" xmlns:r="http://schemas.openxmlformats.org/officeDocument/2006/relationships" xmlns:p="http://schemas.openxmlformats.org/presentationml/2006/main">
-  <p:cSld>
-    <p:spTree>
-      <p:nvGrpSpPr>
-        <p:cNvPr id="1" name=""/>
-        <p:cNvGrpSpPr/>
-        <p:nvPr/>
-      </p:nvGrpSpPr>
-      <p:grpSpPr>
-        <a:xfrm>
-          <a:off x="0" y="0"/>
-          <a:ext cx="0" cy="0"/>
-          <a:chOff x="0" y="0"/>
-          <a:chExt cx="0" cy="0"/>
-        </a:xfrm>
-      </p:grpSpPr>
       <p:graphicFrame>
         <p:nvGraphicFramePr>
           <p:cNvPr id="6" name="Content Placeholder 5"/>
@@ -5162,15 +4587,17 @@
                 <a:tableStyleId>{5C22544A-7EE6-4342-B048-85BDC9FD1C3A}</a:tableStyleId>
               </a:tblPr>
               <a:tblGrid>
-                <a:gridCol w="469900"/>
-                <a:gridCol w="1041400"/>
-                <a:gridCol w="1104900"/>
-                <a:gridCol w="927100"/>
-                <a:gridCol w="863600"/>
-                <a:gridCol w="927100"/>
-                <a:gridCol w="749300"/>
-                <a:gridCol w="990600"/>
-                <a:gridCol w="1155700"/>
+                <a:gridCol w="342900"/>
+                <a:gridCol w="787400"/>
+                <a:gridCol w="825500"/>
+                <a:gridCol w="698500"/>
+                <a:gridCol w="647700"/>
+                <a:gridCol w="698500"/>
+                <a:gridCol w="571500"/>
+                <a:gridCol w="736600"/>
+                <a:gridCol w="876300"/>
+                <a:gridCol w="1092200"/>
+                <a:gridCol w="952500"/>
               </a:tblGrid>
               <a:tr h="0">
                 <a:tc>
@@ -5317,6 +4744,38 @@
                   </a:txBody>
                   <a:tcPr/>
                 </a:tc>
+                <a:tc>
+                  <a:txBody>
+                    <a:bodyPr/>
+                    <a:lstStyle/>
+                    <a:p>
+                      <a:pPr lvl="0" indent="0" marL="0" algn="ctr">
+                        <a:buNone/>
+                      </a:pPr>
+                      <a:r>
+                        <a:rPr/>
+                        <a:t>Gj.snitt AFQT (kvinner)</a:t>
+                      </a:r>
+                    </a:p>
+                  </a:txBody>
+                  <a:tcPr/>
+                </a:tc>
+                <a:tc>
+                  <a:txBody>
+                    <a:bodyPr/>
+                    <a:lstStyle/>
+                    <a:p>
+                      <a:pPr lvl="0" indent="0" marL="0" algn="ctr">
+                        <a:buNone/>
+                      </a:pPr>
+                      <a:r>
+                        <a:rPr/>
+                        <a:t>Gj.snitt AFQT (menn)</a:t>
+                      </a:r>
+                    </a:p>
+                  </a:txBody>
+                  <a:tcPr/>
+                </a:tc>
               </a:tr>
               <a:tr h="0">
                 <a:tc>
@@ -5454,6 +4913,36 @@
                     </a:p>
                   </a:txBody>
                 </a:tc>
+                <a:tc>
+                  <a:txBody>
+                    <a:bodyPr/>
+                    <a:lstStyle/>
+                    <a:p>
+                      <a:pPr lvl="0" indent="0" marL="0" algn="ctr">
+                        <a:buNone/>
+                      </a:pPr>
+                      <a:r>
+                        <a:rPr/>
+                        <a:t>40.6</a:t>
+                      </a:r>
+                    </a:p>
+                  </a:txBody>
+                </a:tc>
+                <a:tc>
+                  <a:txBody>
+                    <a:bodyPr/>
+                    <a:lstStyle/>
+                    <a:p>
+                      <a:pPr lvl="0" indent="0" marL="0" algn="ctr">
+                        <a:buNone/>
+                      </a:pPr>
+                      <a:r>
+                        <a:rPr/>
+                        <a:t>41.9</a:t>
+                      </a:r>
+                    </a:p>
+                  </a:txBody>
+                </a:tc>
               </a:tr>
             </a:tbl>
           </a:graphicData>
@@ -5484,11 +4973,88 @@
             </a:pPr>
             <a:r>
               <a:rPr/>
-              <a:t>Beskrivende statistikk</a:t>
-            </a:r>
-          </a:p>
-        </p:txBody>
-      </p:sp>
+              <a:t>Sammendrag av utvalgets nøkkelstatistikk</a:t>
+            </a:r>
+          </a:p>
+        </p:txBody>
+      </p:sp>
+    </p:spTree>
+  </p:cSld>
+</p:sld>
+</file>
+
+<file path=ppt/slides/slide7.xml><?xml version="1.0" encoding="utf-8"?>
+<p:sld xmlns:a="http://schemas.openxmlformats.org/drawingml/2006/main" xmlns:r="http://schemas.openxmlformats.org/officeDocument/2006/relationships" xmlns:p="http://schemas.openxmlformats.org/presentationml/2006/main">
+  <p:cSld>
+    <p:spTree>
+      <p:nvGrpSpPr>
+        <p:cNvPr id="1" name=""/>
+        <p:cNvGrpSpPr/>
+        <p:nvPr/>
+      </p:nvGrpSpPr>
+      <p:grpSpPr>
+        <a:xfrm>
+          <a:off x="0" y="0"/>
+          <a:ext cx="0" cy="0"/>
+          <a:chOff x="0" y="0"/>
+          <a:chExt cx="0" cy="0"/>
+        </a:xfrm>
+      </p:grpSpPr>
+      <p:sp>
+        <p:nvSpPr>
+          <p:cNvPr id="2" name="Title 1"/>
+          <p:cNvSpPr>
+            <a:spLocks noGrp="1"/>
+          </p:cNvSpPr>
+          <p:nvPr>
+            <p:ph type="title"/>
+          </p:nvPr>
+        </p:nvSpPr>
+        <p:spPr/>
+        <p:txBody>
+          <a:bodyPr/>
+          <a:lstStyle/>
+          <a:p>
+            <a:pPr lvl="0" indent="0" marL="0">
+              <a:buNone/>
+            </a:pPr>
+            <a:r>
+              <a:rPr/>
+              <a:t>5 Fordeling av variabler</a:t>
+            </a:r>
+          </a:p>
+        </p:txBody>
+      </p:sp>
+      <p:pic>
+        <p:nvPicPr>
+          <p:cNvPr descr="MSB105-assign-2-presentasjon_files/figure-pptx/unnamed-chunk-3-1.png" id="0" name="Picture 1"/>
+          <p:cNvPicPr>
+            <a:picLocks noGrp="1" noChangeAspect="1"/>
+          </p:cNvPicPr>
+          <p:nvPr/>
+        </p:nvPicPr>
+        <p:blipFill>
+          <a:blip r:embed="rId2"/>
+          <a:stretch>
+            <a:fillRect/>
+          </a:stretch>
+        </p:blipFill>
+        <p:spPr bwMode="auto">
+          <a:xfrm>
+            <a:off x="1181100" y="1193800"/>
+            <a:ext cx="6781800" cy="3390900"/>
+          </a:xfrm>
+          <a:prstGeom prst="rect">
+            <a:avLst/>
+          </a:prstGeom>
+          <a:noFill/>
+          <a:ln w="9525">
+            <a:noFill/>
+            <a:headEnd/>
+            <a:tailEnd/>
+          </a:ln>
+        </p:spPr>
+      </p:pic>
     </p:spTree>
   </p:cSld>
 </p:sld>
@@ -5511,31 +5077,6 @@
           <a:chExt cx="0" cy="0"/>
         </a:xfrm>
       </p:grpSpPr>
-      <p:sp>
-        <p:nvSpPr>
-          <p:cNvPr id="2" name="Title 1"/>
-          <p:cNvSpPr>
-            <a:spLocks noGrp="1"/>
-          </p:cNvSpPr>
-          <p:nvPr>
-            <p:ph type="title"/>
-          </p:nvPr>
-        </p:nvSpPr>
-        <p:spPr/>
-        <p:txBody>
-          <a:bodyPr/>
-          <a:lstStyle/>
-          <a:p>
-            <a:pPr lvl="0" indent="0" marL="0">
-              <a:buNone/>
-            </a:pPr>
-            <a:r>
-              <a:rPr/>
-              <a:t>5 Fordeling av variabler</a:t>
-            </a:r>
-          </a:p>
-        </p:txBody>
-      </p:sp>
       <p:pic>
         <p:nvPicPr>
           <p:cNvPr descr="MSB105-assign-2-presentasjon_files/figure-pptx/unnamed-chunk-4-1.png" id="0" name="Picture 1"/>
@@ -5588,9 +5129,34 @@
           <a:chExt cx="0" cy="0"/>
         </a:xfrm>
       </p:grpSpPr>
+      <p:sp>
+        <p:nvSpPr>
+          <p:cNvPr id="2" name="Title 1"/>
+          <p:cNvSpPr>
+            <a:spLocks noGrp="1"/>
+          </p:cNvSpPr>
+          <p:nvPr>
+            <p:ph type="title"/>
+          </p:nvPr>
+        </p:nvSpPr>
+        <p:spPr/>
+        <p:txBody>
+          <a:bodyPr/>
+          <a:lstStyle/>
+          <a:p>
+            <a:pPr lvl="0" indent="0" marL="0">
+              <a:buNone/>
+            </a:pPr>
+            <a:r>
+              <a:rPr/>
+              <a:t>6 Kjønnsforskjeller</a:t>
+            </a:r>
+          </a:p>
+        </p:txBody>
+      </p:sp>
       <p:pic>
         <p:nvPicPr>
-          <p:cNvPr descr="MSB105-assign-2-presentasjon_files/figure-pptx/unnamed-chunk-4-2.png" id="0" name="Picture 1"/>
+          <p:cNvPr descr="MSB105-assign-2-presentasjon_files/figure-pptx/Fordeling%20av%20kjonn%20og%20inntekt-1.png" id="0" name="Picture 1"/>
           <p:cNvPicPr>
             <a:picLocks noGrp="1" noChangeAspect="1"/>
           </p:cNvPicPr>

--- a/MSB105 assign 2 presentasjon.pptx
+++ b/MSB105 assign 2 presentasjon.pptx
@@ -4973,7 +4973,7 @@
             </a:pPr>
             <a:r>
               <a:rPr/>
-              <a:t>Sammendrag av utvalgets nøkkelstatistikk</a:t>
+              <a:t>Sammendrag av utvalgets nokkelstatistikk</a:t>
             </a:r>
           </a:p>
         </p:txBody>

--- a/MSB105 assign 2 presentasjon.pptx
+++ b/MSB105 assign 2 presentasjon.pptx
@@ -21,6 +21,7 @@
     <p:sldId id="269" r:id="rId15"/>
     <p:sldId id="270" r:id="rId16"/>
     <p:sldId id="271" r:id="rId17"/>
+    <p:sldId id="272" r:id="rId18"/>
   </p:sldIdLst>
   <p:sldSz cx="9144000" cy="5143500" type="screen16x9"/>
   <p:notesSz cx="6858000" cy="9144000"/>
@@ -3130,7 +3131,7 @@
             </a:pPr>
             <a:r>
               <a:rPr/>
-              <a:t>Hvilke sammenhenger har vi mellom inntekt, kjønn og evnenivå («afqt») på arbeidsplassen?</a:t>
+              <a:t>Hvilke sammenhenger har vi mellom inntekt, kjønn og evnenivå («afqt»)?</a:t>
             </a:r>
           </a:p>
         </p:txBody>
@@ -3198,6 +3199,83 @@
 </file>
 
 <file path=ppt/slides/slide10.xml><?xml version="1.0" encoding="utf-8"?>
+<p:sld xmlns:a="http://schemas.openxmlformats.org/drawingml/2006/main" xmlns:r="http://schemas.openxmlformats.org/officeDocument/2006/relationships" xmlns:p="http://schemas.openxmlformats.org/presentationml/2006/main">
+  <p:cSld>
+    <p:spTree>
+      <p:nvGrpSpPr>
+        <p:cNvPr id="1" name=""/>
+        <p:cNvGrpSpPr/>
+        <p:nvPr/>
+      </p:nvGrpSpPr>
+      <p:grpSpPr>
+        <a:xfrm>
+          <a:off x="0" y="0"/>
+          <a:ext cx="0" cy="0"/>
+          <a:chOff x="0" y="0"/>
+          <a:chExt cx="0" cy="0"/>
+        </a:xfrm>
+      </p:grpSpPr>
+      <p:sp>
+        <p:nvSpPr>
+          <p:cNvPr id="2" name="Title 1"/>
+          <p:cNvSpPr>
+            <a:spLocks noGrp="1"/>
+          </p:cNvSpPr>
+          <p:nvPr>
+            <p:ph type="title"/>
+          </p:nvPr>
+        </p:nvSpPr>
+        <p:spPr/>
+        <p:txBody>
+          <a:bodyPr/>
+          <a:lstStyle/>
+          <a:p>
+            <a:pPr lvl="0" indent="0" marL="0">
+              <a:buNone/>
+            </a:pPr>
+            <a:r>
+              <a:rPr/>
+              <a:t>8 Kjønnsforskjeller</a:t>
+            </a:r>
+          </a:p>
+        </p:txBody>
+      </p:sp>
+      <p:pic>
+        <p:nvPicPr>
+          <p:cNvPr descr="MSB105-assign-2-presentasjon_files/figure-pptx/Fordeling%20av%20kjonn%20og%20inntekt-1.png" id="0" name="Picture 1"/>
+          <p:cNvPicPr>
+            <a:picLocks noGrp="1" noChangeAspect="1"/>
+          </p:cNvPicPr>
+          <p:nvPr/>
+        </p:nvPicPr>
+        <p:blipFill>
+          <a:blip r:embed="rId2"/>
+          <a:stretch>
+            <a:fillRect/>
+          </a:stretch>
+        </p:blipFill>
+        <p:spPr bwMode="auto">
+          <a:xfrm>
+            <a:off x="1181100" y="1193800"/>
+            <a:ext cx="6781800" cy="3390900"/>
+          </a:xfrm>
+          <a:prstGeom prst="rect">
+            <a:avLst/>
+          </a:prstGeom>
+          <a:noFill/>
+          <a:ln w="9525">
+            <a:noFill/>
+            <a:headEnd/>
+            <a:tailEnd/>
+          </a:ln>
+        </p:spPr>
+      </p:pic>
+    </p:spTree>
+  </p:cSld>
+</p:sld>
+</file>
+
+<file path=ppt/slides/slide11.xml><?xml version="1.0" encoding="utf-8"?>
 <p:sld xmlns:a="http://schemas.openxmlformats.org/drawingml/2006/main" xmlns:r="http://schemas.openxmlformats.org/officeDocument/2006/relationships" xmlns:p="http://schemas.openxmlformats.org/presentationml/2006/main">
   <p:cSld>
     <p:spTree>
@@ -3249,7 +3327,7 @@
 </p:sld>
 </file>
 
-<file path=ppt/slides/slide11.xml><?xml version="1.0" encoding="utf-8"?>
+<file path=ppt/slides/slide12.xml><?xml version="1.0" encoding="utf-8"?>
 <p:sld xmlns:a="http://schemas.openxmlformats.org/drawingml/2006/main" xmlns:r="http://schemas.openxmlformats.org/officeDocument/2006/relationships" xmlns:p="http://schemas.openxmlformats.org/presentationml/2006/main">
   <p:cSld>
     <p:spTree>
@@ -3286,7 +3364,7 @@
             </a:pPr>
             <a:r>
               <a:rPr/>
-              <a:t>7 Sammenhenger</a:t>
+              <a:t>9 Sammenhenger</a:t>
             </a:r>
           </a:p>
         </p:txBody>
@@ -3326,7 +3404,7 @@
 </p:sld>
 </file>
 
-<file path=ppt/slides/slide12.xml><?xml version="1.0" encoding="utf-8"?>
+<file path=ppt/slides/slide13.xml><?xml version="1.0" encoding="utf-8"?>
 <p:sld xmlns:a="http://schemas.openxmlformats.org/drawingml/2006/main" xmlns:r="http://schemas.openxmlformats.org/officeDocument/2006/relationships" xmlns:p="http://schemas.openxmlformats.org/presentationml/2006/main">
   <p:cSld>
     <p:spTree>
@@ -3363,7 +3441,7 @@
             </a:pPr>
             <a:r>
               <a:rPr/>
-              <a:t>8 Korrelasjoner eller regresjonsmedell</a:t>
+              <a:t>10 Korrelasjoner eller regresjonsmedell</a:t>
             </a:r>
           </a:p>
         </p:txBody>
@@ -3435,7 +3513,7 @@
 </p:sld>
 </file>
 
-<file path=ppt/slides/slide13.xml><?xml version="1.0" encoding="utf-8"?>
+<file path=ppt/slides/slide14.xml><?xml version="1.0" encoding="utf-8"?>
 <p:sld xmlns:a="http://schemas.openxmlformats.org/drawingml/2006/main" xmlns:r="http://schemas.openxmlformats.org/officeDocument/2006/relationships" xmlns:p="http://schemas.openxmlformats.org/presentationml/2006/main">
   <p:cSld>
     <p:spTree>
@@ -3454,7 +3532,7 @@
       </p:grpSpPr>
       <p:pic>
         <p:nvPicPr>
-          <p:cNvPr descr="MSB105-assign-2-presentasjon_files/figure-pptx/unnamed-chunk-6-1.png" id="0" name="Picture 1"/>
+          <p:cNvPr descr="MSB105-assign-2-presentasjon_files/figure-pptx/unnamed-chunk-7-1.png" id="0" name="Picture 1"/>
           <p:cNvPicPr>
             <a:picLocks noGrp="1" noChangeAspect="1"/>
           </p:cNvPicPr>
@@ -3487,7 +3565,7 @@
 </p:sld>
 </file>
 
-<file path=ppt/slides/slide14.xml><?xml version="1.0" encoding="utf-8"?>
+<file path=ppt/slides/slide15.xml><?xml version="1.0" encoding="utf-8"?>
 <p:sld xmlns:a="http://schemas.openxmlformats.org/drawingml/2006/main" xmlns:r="http://schemas.openxmlformats.org/officeDocument/2006/relationships" xmlns:p="http://schemas.openxmlformats.org/presentationml/2006/main">
   <p:cSld>
     <p:spTree>
@@ -3977,109 +4055,6 @@
 </p:sld>
 </file>
 
-<file path=ppt/slides/slide15.xml><?xml version="1.0" encoding="utf-8"?>
-<p:sld xmlns:a="http://schemas.openxmlformats.org/drawingml/2006/main" xmlns:r="http://schemas.openxmlformats.org/officeDocument/2006/relationships" xmlns:p="http://schemas.openxmlformats.org/presentationml/2006/main">
-  <p:cSld>
-    <p:spTree>
-      <p:nvGrpSpPr>
-        <p:cNvPr id="1" name=""/>
-        <p:cNvGrpSpPr/>
-        <p:nvPr/>
-      </p:nvGrpSpPr>
-      <p:grpSpPr>
-        <a:xfrm>
-          <a:off x="0" y="0"/>
-          <a:ext cx="0" cy="0"/>
-          <a:chOff x="0" y="0"/>
-          <a:chExt cx="0" cy="0"/>
-        </a:xfrm>
-      </p:grpSpPr>
-      <p:sp>
-        <p:nvSpPr>
-          <p:cNvPr id="2" name="Title 1"/>
-          <p:cNvSpPr>
-            <a:spLocks noGrp="1"/>
-          </p:cNvSpPr>
-          <p:nvPr>
-            <p:ph type="title"/>
-          </p:nvPr>
-        </p:nvSpPr>
-        <p:spPr/>
-        <p:txBody>
-          <a:bodyPr/>
-          <a:lstStyle/>
-          <a:p>
-            <a:pPr lvl="0" indent="0" marL="0">
-              <a:buNone/>
-            </a:pPr>
-            <a:r>
-              <a:rPr/>
-              <a:t>9 diskusjon</a:t>
-            </a:r>
-          </a:p>
-        </p:txBody>
-      </p:sp>
-      <p:sp>
-        <p:nvSpPr>
-          <p:cNvPr id="3" name="Content Placeholder 2"/>
-          <p:cNvSpPr>
-            <a:spLocks noGrp="1"/>
-          </p:cNvSpPr>
-          <p:nvPr>
-            <p:ph idx="1"/>
-          </p:nvPr>
-        </p:nvSpPr>
-        <p:spPr/>
-        <p:txBody>
-          <a:bodyPr/>
-          <a:lstStyle/>
-          <a:p>
-            <a:pPr lvl="0"/>
-            <a:r>
-              <a:rPr/>
-              <a:t>Hva viser figurene om:</a:t>
-            </a:r>
-          </a:p>
-          <a:p>
-            <a:pPr lvl="0"/>
-            <a:r>
-              <a:rPr/>
-              <a:t>Fordelingene (skjevhet, outliers)?</a:t>
-            </a:r>
-          </a:p>
-          <a:p>
-            <a:pPr lvl="0"/>
-            <a:r>
-              <a:rPr/>
-              <a:t>Kjønnsforskjeller i nivå?</a:t>
-            </a:r>
-          </a:p>
-          <a:p>
-            <a:pPr lvl="0"/>
-            <a:r>
-              <a:rPr/>
-              <a:t>Styrken/retningen på sammenhengen AFQT–inntekt?</a:t>
-            </a:r>
-          </a:p>
-          <a:p>
-            <a:pPr lvl="0" indent="0" marL="0">
-              <a:spcBef>
-                <a:spcPts val="3000"/>
-              </a:spcBef>
-              <a:buNone/>
-            </a:pPr>
-            <a:r>
-              <a:rPr b="1"/>
-              <a:t>10 Stemmer funn med litteraturen? Mulige mekanismer? Begrensninger?</a:t>
-            </a:r>
-          </a:p>
-        </p:txBody>
-      </p:sp>
-    </p:spTree>
-  </p:cSld>
-</p:sld>
-</file>
-
 <file path=ppt/slides/slide16.xml><?xml version="1.0" encoding="utf-8"?>
 <p:sld xmlns:a="http://schemas.openxmlformats.org/drawingml/2006/main" xmlns:r="http://schemas.openxmlformats.org/officeDocument/2006/relationships" xmlns:p="http://schemas.openxmlformats.org/presentationml/2006/main">
   <p:cSld>
@@ -4117,7 +4092,7 @@
             </a:pPr>
             <a:r>
               <a:rPr/>
-              <a:t>11 konklusjon</a:t>
+              <a:t>11 diskusjon</a:t>
             </a:r>
           </a:p>
         </p:txBody>
@@ -4140,7 +4115,28 @@
             <a:pPr lvl="0"/>
             <a:r>
               <a:rPr/>
-              <a:t>Kort oppsummering av hovedfunn</a:t>
+              <a:t>Hva viser figurene om:</a:t>
+            </a:r>
+          </a:p>
+          <a:p>
+            <a:pPr lvl="0"/>
+            <a:r>
+              <a:rPr/>
+              <a:t>Fordelingene (skjevhet, outliers)?</a:t>
+            </a:r>
+          </a:p>
+          <a:p>
+            <a:pPr lvl="0"/>
+            <a:r>
+              <a:rPr/>
+              <a:t>Kjønnsforskjeller i nivå?</a:t>
+            </a:r>
+          </a:p>
+          <a:p>
+            <a:pPr lvl="0"/>
+            <a:r>
+              <a:rPr/>
+              <a:t>Styrken/retningen på sammenhengen AFQT–inntekt?</a:t>
             </a:r>
           </a:p>
           <a:p>
@@ -4152,7 +4148,89 @@
             </a:pPr>
             <a:r>
               <a:rPr b="1"/>
-              <a:t>12 Impliserte videre steg (flere kontrollvariabler, robusthetstester, modellvalg)</a:t>
+              <a:t>12 Stemmer funn med litteraturen? Mulige mekanismer? Begrensninger?</a:t>
+            </a:r>
+          </a:p>
+        </p:txBody>
+      </p:sp>
+    </p:spTree>
+  </p:cSld>
+</p:sld>
+</file>
+
+<file path=ppt/slides/slide17.xml><?xml version="1.0" encoding="utf-8"?>
+<p:sld xmlns:a="http://schemas.openxmlformats.org/drawingml/2006/main" xmlns:r="http://schemas.openxmlformats.org/officeDocument/2006/relationships" xmlns:p="http://schemas.openxmlformats.org/presentationml/2006/main">
+  <p:cSld>
+    <p:spTree>
+      <p:nvGrpSpPr>
+        <p:cNvPr id="1" name=""/>
+        <p:cNvGrpSpPr/>
+        <p:nvPr/>
+      </p:nvGrpSpPr>
+      <p:grpSpPr>
+        <a:xfrm>
+          <a:off x="0" y="0"/>
+          <a:ext cx="0" cy="0"/>
+          <a:chOff x="0" y="0"/>
+          <a:chExt cx="0" cy="0"/>
+        </a:xfrm>
+      </p:grpSpPr>
+      <p:sp>
+        <p:nvSpPr>
+          <p:cNvPr id="2" name="Title 1"/>
+          <p:cNvSpPr>
+            <a:spLocks noGrp="1"/>
+          </p:cNvSpPr>
+          <p:nvPr>
+            <p:ph type="title"/>
+          </p:nvPr>
+        </p:nvSpPr>
+        <p:spPr/>
+        <p:txBody>
+          <a:bodyPr/>
+          <a:lstStyle/>
+          <a:p>
+            <a:pPr lvl="0" indent="0" marL="0">
+              <a:buNone/>
+            </a:pPr>
+            <a:r>
+              <a:rPr/>
+              <a:t>13 konklusjon</a:t>
+            </a:r>
+          </a:p>
+        </p:txBody>
+      </p:sp>
+      <p:sp>
+        <p:nvSpPr>
+          <p:cNvPr id="3" name="Content Placeholder 2"/>
+          <p:cNvSpPr>
+            <a:spLocks noGrp="1"/>
+          </p:cNvSpPr>
+          <p:nvPr>
+            <p:ph idx="1"/>
+          </p:nvPr>
+        </p:nvSpPr>
+        <p:spPr/>
+        <p:txBody>
+          <a:bodyPr/>
+          <a:lstStyle/>
+          <a:p>
+            <a:pPr lvl="0"/>
+            <a:r>
+              <a:rPr/>
+              <a:t>Kort oppsummering av hovedfunn</a:t>
+            </a:r>
+          </a:p>
+          <a:p>
+            <a:pPr lvl="0" indent="0" marL="0">
+              <a:spcBef>
+                <a:spcPts val="3000"/>
+              </a:spcBef>
+              <a:buNone/>
+            </a:pPr>
+            <a:r>
+              <a:rPr b="1"/>
+              <a:t>14 Impliserte videre steg (flere kontrollvariabler, robusthetstester, modellvalg)</a:t>
             </a:r>
           </a:p>
           <a:p>
@@ -4187,7 +4265,16 @@
             </a:pPr>
             <a:r>
               <a:rPr/>
-              <a:t>“Women Benefit the Most from Taking Higher Education.” n.d. https://kifinfo.no/en/2025/04/women-benefit-most-taking-higher-education. Accessed October 16, 2025.</a:t>
+              <a:t>“Women Benefit the Most from Taking Higher Education.” n.d.a. https://kifinfo.no/en/2025/04/women-benefit-most-taking-higher-education. Accessed October 16, 2025.</a:t>
+            </a:r>
+          </a:p>
+          <a:p>
+            <a:pPr lvl="0" indent="0" marL="0">
+              <a:buNone/>
+            </a:pPr>
+            <a:r>
+              <a:rPr/>
+              <a:t>———. n.d.b. https://kifinfo.no/en/2025/04/women-benefit-most-taking-higher-education. Accessed October 16, 2025.</a:t>
             </a:r>
           </a:p>
         </p:txBody>
@@ -4216,6 +4303,31 @@
       </p:grpSpPr>
       <p:sp>
         <p:nvSpPr>
+          <p:cNvPr id="2" name="Title 1"/>
+          <p:cNvSpPr>
+            <a:spLocks noGrp="1"/>
+          </p:cNvSpPr>
+          <p:nvPr>
+            <p:ph type="title"/>
+          </p:nvPr>
+        </p:nvSpPr>
+        <p:spPr/>
+        <p:txBody>
+          <a:bodyPr/>
+          <a:lstStyle/>
+          <a:p>
+            <a:pPr lvl="0" indent="0" marL="0">
+              <a:buNone/>
+            </a:pPr>
+            <a:r>
+              <a:rPr/>
+              <a:t>1 Introduksjon</a:t>
+            </a:r>
+          </a:p>
+        </p:txBody>
+      </p:sp>
+      <p:sp>
+        <p:nvSpPr>
           <p:cNvPr id="3" name="Content Placeholder 2"/>
           <p:cNvSpPr>
             <a:spLocks noGrp="1"/>
@@ -4229,18 +4341,353 @@
           <a:bodyPr/>
           <a:lstStyle/>
           <a:p>
-            <a:pPr lvl="0" indent="0" marL="0">
-              <a:buNone/>
-            </a:pPr>
+            <a:pPr lvl="0"/>
             <a:r>
               <a:rPr/>
-              <a:t>(Lin, Lutter, and Ruhm, n.d.) (“Judge” n.d.)</a:t>
+              <a:t>Kort om datasettet </a:t>
+            </a:r>
+            <a:r>
+              <a:rPr>
+                <a:latin typeface="Courier"/>
+              </a:rPr>
+              <a:t>modelr::heights</a:t>
+            </a:r>
+          </a:p>
+          <a:p>
+            <a:pPr lvl="0"/>
+            <a:r>
+              <a:rPr/>
+              <a:t>Variabler:</a:t>
+            </a:r>
+          </a:p>
+          <a:p>
+            <a:pPr lvl="1"/>
+            <a:r>
+              <a:rPr>
+                <a:latin typeface="Courier"/>
+              </a:rPr>
+              <a:t>income</a:t>
+            </a:r>
+            <a:r>
+              <a:rPr/>
+              <a:t>: Inntekt</a:t>
+            </a:r>
+          </a:p>
+          <a:p>
+            <a:pPr lvl="1"/>
+            <a:r>
+              <a:rPr>
+                <a:latin typeface="Courier"/>
+              </a:rPr>
+              <a:t>gender</a:t>
+            </a:r>
+            <a:r>
+              <a:rPr/>
+              <a:t>: Kjønn</a:t>
+            </a:r>
+          </a:p>
+          <a:p>
+            <a:pPr lvl="1"/>
+            <a:r>
+              <a:rPr>
+                <a:latin typeface="Courier"/>
+              </a:rPr>
+              <a:t>afqt</a:t>
+            </a:r>
+            <a:r>
+              <a:rPr/>
+              <a:t>: Evnenivå (testscore)</a:t>
+            </a:r>
+          </a:p>
+          <a:p>
+            <a:pPr lvl="0"/>
+            <a:r>
+              <a:rPr/>
+              <a:t>Formål: Undersøke sammenhenger mellom inntekt, kjønn og evnenivå</a:t>
             </a:r>
           </a:p>
         </p:txBody>
       </p:sp>
     </p:spTree>
   </p:cSld>
+  <p:timing>
+    <p:tnLst>
+      <p:par>
+        <p:cTn id="1" dur="indefinite" restart="never" nodeType="tmRoot">
+          <p:childTnLst>
+            <p:seq concurrent="1" nextAc="seek">
+              <p:cTn id="2" dur="indefinite" nodeType="mainSeq">
+                <p:childTnLst>
+                  <p:par>
+                    <p:cTn id="3" fill="hold">
+                      <p:stCondLst>
+                        <p:cond delay="indefinite"/>
+                      </p:stCondLst>
+                      <p:childTnLst>
+                        <p:par>
+                          <p:cTn id="4" fill="hold">
+                            <p:stCondLst>
+                              <p:cond delay="0"/>
+                            </p:stCondLst>
+                            <p:childTnLst>
+                              <p:par>
+                                <p:cTn id="5" presetID="1" presetClass="entr" presetSubtype="0" fill="hold" grpId="0" nodeType="clickEffect">
+                                  <p:stCondLst>
+                                    <p:cond delay="0"/>
+                                  </p:stCondLst>
+                                  <p:childTnLst>
+                                    <p:set>
+                                      <p:cBhvr>
+                                        <p:cTn id="6" dur="1" fill="hold">
+                                          <p:stCondLst>
+                                            <p:cond delay="0"/>
+                                          </p:stCondLst>
+                                        </p:cTn>
+                                        <p:tgtEl>
+                                          <p:spTgt spid="3">
+                                            <p:txEl>
+                                              <p:pRg st="1" end="1"/>
+                                            </p:txEl>
+                                          </p:spTgt>
+                                        </p:tgtEl>
+                                        <p:attrNameLst>
+                                          <p:attrName>style.visibility</p:attrName>
+                                        </p:attrNameLst>
+                                      </p:cBhvr>
+                                      <p:to>
+                                        <p:strVal val="visible"/>
+                                      </p:to>
+                                    </p:set>
+                                  </p:childTnLst>
+                                </p:cTn>
+                              </p:par>
+                            </p:childTnLst>
+                          </p:cTn>
+                        </p:par>
+                      </p:childTnLst>
+                    </p:cTn>
+                  </p:par>
+                  <p:par>
+                    <p:cTn id="7" fill="hold">
+                      <p:stCondLst>
+                        <p:cond delay="indefinite"/>
+                      </p:stCondLst>
+                      <p:childTnLst>
+                        <p:par>
+                          <p:cTn id="8" fill="hold">
+                            <p:stCondLst>
+                              <p:cond delay="0"/>
+                            </p:stCondLst>
+                            <p:childTnLst>
+                              <p:par>
+                                <p:cTn id="9" presetID="1" presetClass="entr" presetSubtype="0" fill="hold" grpId="0" nodeType="clickEffect">
+                                  <p:stCondLst>
+                                    <p:cond delay="0"/>
+                                  </p:stCondLst>
+                                  <p:childTnLst>
+                                    <p:set>
+                                      <p:cBhvr>
+                                        <p:cTn id="10" dur="1" fill="hold">
+                                          <p:stCondLst>
+                                            <p:cond delay="0"/>
+                                          </p:stCondLst>
+                                        </p:cTn>
+                                        <p:tgtEl>
+                                          <p:spTgt spid="3">
+                                            <p:txEl>
+                                              <p:pRg st="2" end="2"/>
+                                            </p:txEl>
+                                          </p:spTgt>
+                                        </p:tgtEl>
+                                        <p:attrNameLst>
+                                          <p:attrName>style.visibility</p:attrName>
+                                        </p:attrNameLst>
+                                      </p:cBhvr>
+                                      <p:to>
+                                        <p:strVal val="visible"/>
+                                      </p:to>
+                                    </p:set>
+                                  </p:childTnLst>
+                                </p:cTn>
+                              </p:par>
+                            </p:childTnLst>
+                          </p:cTn>
+                        </p:par>
+                      </p:childTnLst>
+                    </p:cTn>
+                  </p:par>
+                  <p:par>
+                    <p:cTn id="11" fill="hold">
+                      <p:stCondLst>
+                        <p:cond delay="indefinite"/>
+                      </p:stCondLst>
+                      <p:childTnLst>
+                        <p:par>
+                          <p:cTn id="12" fill="hold">
+                            <p:stCondLst>
+                              <p:cond delay="0"/>
+                            </p:stCondLst>
+                            <p:childTnLst>
+                              <p:par>
+                                <p:cTn id="13" presetID="1" presetClass="entr" presetSubtype="0" fill="hold" grpId="0" nodeType="clickEffect">
+                                  <p:stCondLst>
+                                    <p:cond delay="0"/>
+                                  </p:stCondLst>
+                                  <p:childTnLst>
+                                    <p:set>
+                                      <p:cBhvr>
+                                        <p:cTn id="14" dur="1" fill="hold">
+                                          <p:stCondLst>
+                                            <p:cond delay="0"/>
+                                          </p:stCondLst>
+                                        </p:cTn>
+                                        <p:tgtEl>
+                                          <p:spTgt spid="3">
+                                            <p:txEl>
+                                              <p:pRg st="3" end="3"/>
+                                            </p:txEl>
+                                          </p:spTgt>
+                                        </p:tgtEl>
+                                        <p:attrNameLst>
+                                          <p:attrName>style.visibility</p:attrName>
+                                        </p:attrNameLst>
+                                      </p:cBhvr>
+                                      <p:to>
+                                        <p:strVal val="visible"/>
+                                      </p:to>
+                                    </p:set>
+                                  </p:childTnLst>
+                                </p:cTn>
+                              </p:par>
+                            </p:childTnLst>
+                          </p:cTn>
+                        </p:par>
+                      </p:childTnLst>
+                    </p:cTn>
+                  </p:par>
+                  <p:par>
+                    <p:cTn id="15" fill="hold">
+                      <p:stCondLst>
+                        <p:cond delay="indefinite"/>
+                      </p:stCondLst>
+                      <p:childTnLst>
+                        <p:par>
+                          <p:cTn id="16" fill="hold">
+                            <p:stCondLst>
+                              <p:cond delay="0"/>
+                            </p:stCondLst>
+                            <p:childTnLst>
+                              <p:par>
+                                <p:cTn id="17" presetID="1" presetClass="entr" presetSubtype="0" fill="hold" grpId="0" nodeType="clickEffect">
+                                  <p:stCondLst>
+                                    <p:cond delay="0"/>
+                                  </p:stCondLst>
+                                  <p:childTnLst>
+                                    <p:set>
+                                      <p:cBhvr>
+                                        <p:cTn id="18" dur="1" fill="hold">
+                                          <p:stCondLst>
+                                            <p:cond delay="0"/>
+                                          </p:stCondLst>
+                                        </p:cTn>
+                                        <p:tgtEl>
+                                          <p:spTgt spid="3">
+                                            <p:txEl>
+                                              <p:pRg st="4" end="4"/>
+                                            </p:txEl>
+                                          </p:spTgt>
+                                        </p:tgtEl>
+                                        <p:attrNameLst>
+                                          <p:attrName>style.visibility</p:attrName>
+                                        </p:attrNameLst>
+                                      </p:cBhvr>
+                                      <p:to>
+                                        <p:strVal val="visible"/>
+                                      </p:to>
+                                    </p:set>
+                                  </p:childTnLst>
+                                </p:cTn>
+                              </p:par>
+                            </p:childTnLst>
+                          </p:cTn>
+                        </p:par>
+                      </p:childTnLst>
+                    </p:cTn>
+                  </p:par>
+                  <p:par>
+                    <p:cTn id="19" fill="hold">
+                      <p:stCondLst>
+                        <p:cond delay="indefinite"/>
+                      </p:stCondLst>
+                      <p:childTnLst>
+                        <p:par>
+                          <p:cTn id="20" fill="hold">
+                            <p:stCondLst>
+                              <p:cond delay="0"/>
+                            </p:stCondLst>
+                            <p:childTnLst>
+                              <p:par>
+                                <p:cTn id="21" presetID="1" presetClass="entr" presetSubtype="0" fill="hold" grpId="0" nodeType="clickEffect">
+                                  <p:stCondLst>
+                                    <p:cond delay="0"/>
+                                  </p:stCondLst>
+                                  <p:childTnLst>
+                                    <p:set>
+                                      <p:cBhvr>
+                                        <p:cTn id="22" dur="1" fill="hold">
+                                          <p:stCondLst>
+                                            <p:cond delay="0"/>
+                                          </p:stCondLst>
+                                        </p:cTn>
+                                        <p:tgtEl>
+                                          <p:spTgt spid="3">
+                                            <p:txEl>
+                                              <p:pRg st="5" end="5"/>
+                                            </p:txEl>
+                                          </p:spTgt>
+                                        </p:tgtEl>
+                                        <p:attrNameLst>
+                                          <p:attrName>style.visibility</p:attrName>
+                                        </p:attrNameLst>
+                                      </p:cBhvr>
+                                      <p:to>
+                                        <p:strVal val="visible"/>
+                                      </p:to>
+                                    </p:set>
+                                  </p:childTnLst>
+                                </p:cTn>
+                              </p:par>
+                            </p:childTnLst>
+                          </p:cTn>
+                        </p:par>
+                      </p:childTnLst>
+                    </p:cTn>
+                  </p:par>
+                </p:childTnLst>
+              </p:cTn>
+              <p:prevCondLst>
+                <p:cond evt="onPrev" delay="0">
+                  <p:tgtEl>
+                    <p:sldTgt/>
+                  </p:tgtEl>
+                </p:cond>
+              </p:prevCondLst>
+              <p:nextCondLst>
+                <p:cond evt="onNext" delay="0">
+                  <p:tgtEl>
+                    <p:sldTgt/>
+                  </p:tgtEl>
+                </p:cond>
+              </p:nextCondLst>
+            </p:seq>
+          </p:childTnLst>
+        </p:cTn>
+      </p:par>
+    </p:tnLst>
+    <p:bldLst>
+      <p:bldP spid="3" grpId="0" uiExpand="1" build="p"/>
+    </p:bldLst>
+  </p:timing>
 </p:sld>
 </file>
 
@@ -4281,7 +4728,7 @@
             </a:pPr>
             <a:r>
               <a:rPr/>
-              <a:t>1 Introduksjon</a:t>
+              <a:t>2 Litteraturgjennomgang</a:t>
             </a:r>
           </a:p>
         </p:txBody>
@@ -4304,70 +4751,36 @@
             <a:pPr lvl="0"/>
             <a:r>
               <a:rPr/>
-              <a:t>Kort om datasettet (</a:t>
-            </a:r>
-            <a:r>
-              <a:rPr>
-                <a:latin typeface="Courier"/>
-              </a:rPr>
-              <a:t>modelr::heights</a:t>
-            </a:r>
+              <a:t>Hva er kjent fra tidligere studier?</a:t>
+            </a:r>
+          </a:p>
+          <a:p>
+            <a:pPr lvl="0"/>
             <a:r>
               <a:rPr/>
-              <a:t> eller Judge-datasettet)</a:t>
+              <a:t>Vi vil ta utgangspunkt fra artikkeler og forskninger som tar for seg variablene inntekt, kjønn og evnenivå.</a:t>
             </a:r>
           </a:p>
           <a:p>
             <a:pPr lvl="0"/>
             <a:r>
               <a:rPr/>
-              <a:t>Variabler:</a:t>
-            </a:r>
-          </a:p>
-          <a:p>
-            <a:pPr lvl="1"/>
-            <a:r>
-              <a:rPr>
-                <a:latin typeface="Courier"/>
-              </a:rPr>
-              <a:t>income</a:t>
+              <a:t>Artikkelen “cognitive perfromance and labo market outcomes” (</a:t>
+            </a:r>
+            <a:r>
+              <a:rPr b="1"/>
+              <a:t>lin?</a:t>
             </a:r>
             <a:r>
               <a:rPr/>
-              <a:t>: Inntekt</a:t>
-            </a:r>
-          </a:p>
-          <a:p>
-            <a:pPr lvl="1"/>
-            <a:r>
-              <a:rPr>
-                <a:latin typeface="Courier"/>
-              </a:rPr>
-              <a:t>gender</a:t>
-            </a:r>
+              <a:t>) tar for seg hvordan kognitiv prestasjoner henger sammen med arbeidsmarkedsutfall innen lønn, for personer i alderen 20-50 år.</a:t>
+            </a:r>
+          </a:p>
+          <a:p>
+            <a:pPr lvl="0"/>
             <a:r>
               <a:rPr/>
-              <a:t>: Kjønn</a:t>
-            </a:r>
-          </a:p>
-          <a:p>
-            <a:pPr lvl="1"/>
-            <a:r>
-              <a:rPr>
-                <a:latin typeface="Courier"/>
-              </a:rPr>
-              <a:t>afqt</a:t>
-            </a:r>
-            <a:r>
-              <a:rPr/>
-              <a:t>: Evnenivå (testscore)</a:t>
-            </a:r>
-          </a:p>
-          <a:p>
-            <a:pPr lvl="0"/>
-            <a:r>
-              <a:rPr/>
-              <a:t>Formål: Undersøke sammenhenger mellom inntekt, kjønn og evnenivå</a:t>
+              <a:t>Andre studier som “women benefit the most from taking higher education” “Women Benefit the Most from Taking Higher Education” (n.d.a) tar for seg utdanningsnivå mellom kvinner og menn, og hvem som tjener mest på å øke sine evner gjennom utdanning. Dette vil kunne gi oss et grunnlag for å forklarer samhengene mellom inntekt, kjønn og evne nivå gjennom modellen hight.</a:t>
             </a:r>
           </a:p>
         </p:txBody>
@@ -4414,7 +4827,7 @@
             </a:pPr>
             <a:r>
               <a:rPr/>
-              <a:t>2 Litteraturgjennomgang</a:t>
+              <a:t>3 Hvordan henger kognitive evner ofte sammen med inntekt?</a:t>
             </a:r>
           </a:p>
         </p:txBody>
@@ -4437,37 +4850,42 @@
             <a:pPr lvl="0"/>
             <a:r>
               <a:rPr/>
-              <a:t>Hva er kjent fra tidligere studier?</a:t>
+              <a:t>Den kognitive evnen virker gjennom utdanning, produktivitet og yrkesvalg.</a:t>
             </a:r>
           </a:p>
           <a:p>
             <a:pPr lvl="0"/>
             <a:r>
               <a:rPr/>
-              <a:t>Hvordan henger kognitive evner ofte sammen med inntekt?</a:t>
-            </a:r>
-          </a:p>
-          <a:p>
-            <a:pPr lvl="1" indent="0" marL="342900">
-              <a:buNone/>
-            </a:pPr>
+              <a:t>Artikkelen “cognitive performance”</a:t>
+            </a:r>
+          </a:p>
+          <a:p>
+            <a:pPr lvl="0"/>
             <a:r>
               <a:rPr/>
-              <a:t>I følge artikkelen</a:t>
+              <a:t>Kognitiv evner har en positiv sammenheng opp gjennom alle aldre.</a:t>
             </a:r>
           </a:p>
           <a:p>
             <a:pPr lvl="0"/>
             <a:r>
               <a:rPr/>
-              <a:t>Er det kjønnsforskjeller i inntekt og evnenivå?</a:t>
+              <a:t>Gir en større totalinntekt</a:t>
             </a:r>
           </a:p>
           <a:p>
             <a:pPr lvl="0"/>
             <a:r>
               <a:rPr/>
-              <a:t>(Sett inn noen korte referanser med APA7-format her.)</a:t>
+              <a:t>Samlet over tid vil det gi en større avkastning.</a:t>
+            </a:r>
+          </a:p>
+          <a:p>
+            <a:pPr lvl="0"/>
+            <a:r>
+              <a:rPr/>
+              <a:t>Andre faktorer som påvirker inntekt</a:t>
             </a:r>
           </a:p>
         </p:txBody>
@@ -4514,7 +4932,79 @@
             </a:pPr>
             <a:r>
               <a:rPr/>
-              <a:t>3 Data grunnlag &amp; klargjøring</a:t>
+              <a:t>4 Er det kjønnsforskjeller i inntekt og evnenivå?</a:t>
+            </a:r>
+          </a:p>
+        </p:txBody>
+      </p:sp>
+      <p:sp>
+        <p:nvSpPr>
+          <p:cNvPr id="3" name="Content Placeholder 2"/>
+          <p:cNvSpPr>
+            <a:spLocks noGrp="1"/>
+          </p:cNvSpPr>
+          <p:nvPr>
+            <p:ph idx="1"/>
+          </p:nvPr>
+        </p:nvSpPr>
+        <p:spPr/>
+        <p:txBody>
+          <a:bodyPr/>
+          <a:lstStyle/>
+          <a:p>
+            <a:pPr lvl="0"/>
+            <a:r>
+              <a:rPr/>
+              <a:t>Forskjeller mellom kjønn når de kommer til inntekt med lik evnenivå</a:t>
+            </a:r>
+          </a:p>
+          <a:p>
+            <a:pPr lvl="0"/>
+            <a:r>
+              <a:rPr/>
+              <a:t>Kvinner har en større avkastning på inntekt ved høyere evnenivå enn menn</a:t>
+            </a:r>
+          </a:p>
+          <a:p>
+            <a:pPr lvl="0"/>
+            <a:r>
+              <a:rPr/>
+              <a:t>Aboslutte innteksterminologien</a:t>
+            </a:r>
+          </a:p>
+          <a:p>
+            <a:pPr lvl="0"/>
+            <a:r>
+              <a:rPr/>
+              <a:t>Forskjellen kommer frem når vi trekker inn antall arbeidstimer per år</a:t>
+            </a:r>
+          </a:p>
+          <a:p>
+            <a:pPr lvl="0"/>
+            <a:r>
+              <a:rPr/>
+              <a:t>Artikkelen “woman benefit the most from taking higher education” kommer også frem at kvinner tjener mest på høyere utdanning enn menn</a:t>
+            </a:r>
+          </a:p>
+          <a:p>
+            <a:pPr lvl="0"/>
+            <a:r>
+              <a:rPr/>
+              <a:t>Kvinnedominerte felt gi en lavere avkastning i inntekt enn i mannsdominerte felt</a:t>
+            </a:r>
+          </a:p>
+          <a:p>
+            <a:pPr lvl="0"/>
+            <a:r>
+              <a:rPr/>
+              <a:t>Andre faktorer som kan påvirke kjønnsforskjeller i inntekt og evnenivå vil være forhandlinger og forskjellige kulturer.</a:t>
+            </a:r>
+          </a:p>
+          <a:p>
+            <a:pPr lvl="0"/>
+            <a:r>
+              <a:rPr/>
+              <a:t>Studere modeller ut fra de tre variablene</a:t>
             </a:r>
           </a:p>
         </p:txBody>
@@ -4561,7 +5051,54 @@
             </a:pPr>
             <a:r>
               <a:rPr/>
-              <a:t>4 Beskrivende statistikk (tabell)</a:t>
+              <a:t>5 Data grunnlag &amp; klargjøring</a:t>
+            </a:r>
+          </a:p>
+        </p:txBody>
+      </p:sp>
+    </p:spTree>
+  </p:cSld>
+</p:sld>
+</file>
+
+<file path=ppt/slides/slide7.xml><?xml version="1.0" encoding="utf-8"?>
+<p:sld xmlns:a="http://schemas.openxmlformats.org/drawingml/2006/main" xmlns:r="http://schemas.openxmlformats.org/officeDocument/2006/relationships" xmlns:p="http://schemas.openxmlformats.org/presentationml/2006/main">
+  <p:cSld>
+    <p:spTree>
+      <p:nvGrpSpPr>
+        <p:cNvPr id="1" name=""/>
+        <p:cNvGrpSpPr/>
+        <p:nvPr/>
+      </p:nvGrpSpPr>
+      <p:grpSpPr>
+        <a:xfrm>
+          <a:off x="0" y="0"/>
+          <a:ext cx="0" cy="0"/>
+          <a:chOff x="0" y="0"/>
+          <a:chExt cx="0" cy="0"/>
+        </a:xfrm>
+      </p:grpSpPr>
+      <p:sp>
+        <p:nvSpPr>
+          <p:cNvPr id="2" name="Title 1"/>
+          <p:cNvSpPr>
+            <a:spLocks noGrp="1"/>
+          </p:cNvSpPr>
+          <p:nvPr>
+            <p:ph type="title"/>
+          </p:nvPr>
+        </p:nvSpPr>
+        <p:spPr/>
+        <p:txBody>
+          <a:bodyPr/>
+          <a:lstStyle/>
+          <a:p>
+            <a:pPr lvl="0" indent="0" marL="0">
+              <a:buNone/>
+            </a:pPr>
+            <a:r>
+              <a:rPr/>
+              <a:t>6 Beskrivende statistikk (tabell)</a:t>
             </a:r>
           </a:p>
         </p:txBody>
@@ -4983,83 +5520,6 @@
 </p:sld>
 </file>
 
-<file path=ppt/slides/slide7.xml><?xml version="1.0" encoding="utf-8"?>
-<p:sld xmlns:a="http://schemas.openxmlformats.org/drawingml/2006/main" xmlns:r="http://schemas.openxmlformats.org/officeDocument/2006/relationships" xmlns:p="http://schemas.openxmlformats.org/presentationml/2006/main">
-  <p:cSld>
-    <p:spTree>
-      <p:nvGrpSpPr>
-        <p:cNvPr id="1" name=""/>
-        <p:cNvGrpSpPr/>
-        <p:nvPr/>
-      </p:nvGrpSpPr>
-      <p:grpSpPr>
-        <a:xfrm>
-          <a:off x="0" y="0"/>
-          <a:ext cx="0" cy="0"/>
-          <a:chOff x="0" y="0"/>
-          <a:chExt cx="0" cy="0"/>
-        </a:xfrm>
-      </p:grpSpPr>
-      <p:sp>
-        <p:nvSpPr>
-          <p:cNvPr id="2" name="Title 1"/>
-          <p:cNvSpPr>
-            <a:spLocks noGrp="1"/>
-          </p:cNvSpPr>
-          <p:nvPr>
-            <p:ph type="title"/>
-          </p:nvPr>
-        </p:nvSpPr>
-        <p:spPr/>
-        <p:txBody>
-          <a:bodyPr/>
-          <a:lstStyle/>
-          <a:p>
-            <a:pPr lvl="0" indent="0" marL="0">
-              <a:buNone/>
-            </a:pPr>
-            <a:r>
-              <a:rPr/>
-              <a:t>5 Fordeling av variabler</a:t>
-            </a:r>
-          </a:p>
-        </p:txBody>
-      </p:sp>
-      <p:pic>
-        <p:nvPicPr>
-          <p:cNvPr descr="MSB105-assign-2-presentasjon_files/figure-pptx/unnamed-chunk-3-1.png" id="0" name="Picture 1"/>
-          <p:cNvPicPr>
-            <a:picLocks noGrp="1" noChangeAspect="1"/>
-          </p:cNvPicPr>
-          <p:nvPr/>
-        </p:nvPicPr>
-        <p:blipFill>
-          <a:blip r:embed="rId2"/>
-          <a:stretch>
-            <a:fillRect/>
-          </a:stretch>
-        </p:blipFill>
-        <p:spPr bwMode="auto">
-          <a:xfrm>
-            <a:off x="1181100" y="1193800"/>
-            <a:ext cx="6781800" cy="3390900"/>
-          </a:xfrm>
-          <a:prstGeom prst="rect">
-            <a:avLst/>
-          </a:prstGeom>
-          <a:noFill/>
-          <a:ln w="9525">
-            <a:noFill/>
-            <a:headEnd/>
-            <a:tailEnd/>
-          </a:ln>
-        </p:spPr>
-      </p:pic>
-    </p:spTree>
-  </p:cSld>
-</p:sld>
-</file>
-
 <file path=ppt/slides/slide8.xml><?xml version="1.0" encoding="utf-8"?>
 <p:sld xmlns:a="http://schemas.openxmlformats.org/drawingml/2006/main" xmlns:r="http://schemas.openxmlformats.org/officeDocument/2006/relationships" xmlns:p="http://schemas.openxmlformats.org/presentationml/2006/main">
   <p:cSld>
@@ -5077,9 +5537,34 @@
           <a:chExt cx="0" cy="0"/>
         </a:xfrm>
       </p:grpSpPr>
+      <p:sp>
+        <p:nvSpPr>
+          <p:cNvPr id="2" name="Title 1"/>
+          <p:cNvSpPr>
+            <a:spLocks noGrp="1"/>
+          </p:cNvSpPr>
+          <p:nvPr>
+            <p:ph type="title"/>
+          </p:nvPr>
+        </p:nvSpPr>
+        <p:spPr/>
+        <p:txBody>
+          <a:bodyPr/>
+          <a:lstStyle/>
+          <a:p>
+            <a:pPr lvl="0" indent="0" marL="0">
+              <a:buNone/>
+            </a:pPr>
+            <a:r>
+              <a:rPr/>
+              <a:t>7 Fordeling av variabler</a:t>
+            </a:r>
+          </a:p>
+        </p:txBody>
+      </p:sp>
       <p:pic>
         <p:nvPicPr>
-          <p:cNvPr descr="MSB105-assign-2-presentasjon_files/figure-pptx/unnamed-chunk-4-1.png" id="0" name="Picture 1"/>
+          <p:cNvPr descr="MSB105-assign-2-presentasjon_files/figure-pptx/unnamed-chunk-3-1.png" id="0" name="Picture 1"/>
           <p:cNvPicPr>
             <a:picLocks noGrp="1" noChangeAspect="1"/>
           </p:cNvPicPr>
@@ -5129,34 +5614,9 @@
           <a:chExt cx="0" cy="0"/>
         </a:xfrm>
       </p:grpSpPr>
-      <p:sp>
-        <p:nvSpPr>
-          <p:cNvPr id="2" name="Title 1"/>
-          <p:cNvSpPr>
-            <a:spLocks noGrp="1"/>
-          </p:cNvSpPr>
-          <p:nvPr>
-            <p:ph type="title"/>
-          </p:nvPr>
-        </p:nvSpPr>
-        <p:spPr/>
-        <p:txBody>
-          <a:bodyPr/>
-          <a:lstStyle/>
-          <a:p>
-            <a:pPr lvl="0" indent="0" marL="0">
-              <a:buNone/>
-            </a:pPr>
-            <a:r>
-              <a:rPr/>
-              <a:t>6 Kjønnsforskjeller</a:t>
-            </a:r>
-          </a:p>
-        </p:txBody>
-      </p:sp>
       <p:pic>
         <p:nvPicPr>
-          <p:cNvPr descr="MSB105-assign-2-presentasjon_files/figure-pptx/Fordeling%20av%20kjonn%20og%20inntekt-1.png" id="0" name="Picture 1"/>
+          <p:cNvPr descr="MSB105-assign-2-presentasjon_files/figure-pptx/unnamed-chunk-4-1.png" id="0" name="Picture 1"/>
           <p:cNvPicPr>
             <a:picLocks noGrp="1" noChangeAspect="1"/>
           </p:cNvPicPr>

--- a/MSB105 assign 2 presentasjon.pptx
+++ b/MSB105 assign 2 presentasjon.pptx
@@ -3235,7 +3235,7 @@
             </a:pPr>
             <a:r>
               <a:rPr/>
-              <a:t>8 Kjønnsforskjeller</a:t>
+              <a:t>9 Kjønnsforskjeller</a:t>
             </a:r>
           </a:p>
         </p:txBody>
@@ -3292,6 +3292,31 @@
           <a:chExt cx="0" cy="0"/>
         </a:xfrm>
       </p:grpSpPr>
+      <p:sp>
+        <p:nvSpPr>
+          <p:cNvPr id="2" name="Title 1"/>
+          <p:cNvSpPr>
+            <a:spLocks noGrp="1"/>
+          </p:cNvSpPr>
+          <p:nvPr>
+            <p:ph type="title"/>
+          </p:nvPr>
+        </p:nvSpPr>
+        <p:spPr/>
+        <p:txBody>
+          <a:bodyPr/>
+          <a:lstStyle/>
+          <a:p>
+            <a:pPr lvl="0" indent="0" marL="0">
+              <a:buNone/>
+            </a:pPr>
+            <a:r>
+              <a:rPr/>
+              <a:t>10 </a:t>
+            </a:r>
+          </a:p>
+        </p:txBody>
+      </p:sp>
       <p:pic>
         <p:nvPicPr>
           <p:cNvPr descr="MSB105-assign-2-presentasjon_files/figure-pptx/Fordeling%20av%20AFQT-1.png" id="0" name="Picture 1"/>
@@ -3364,7 +3389,7 @@
             </a:pPr>
             <a:r>
               <a:rPr/>
-              <a:t>9 Sammenhenger</a:t>
+              <a:t>11 Sammenhenger</a:t>
             </a:r>
           </a:p>
         </p:txBody>
@@ -3441,7 +3466,7 @@
             </a:pPr>
             <a:r>
               <a:rPr/>
-              <a:t>10 Korrelasjoner eller regresjonsmedell</a:t>
+              <a:t>12 Korrelasjoner eller regresjonsmedell</a:t>
             </a:r>
           </a:p>
         </p:txBody>
@@ -3532,7 +3557,7 @@
       </p:grpSpPr>
       <p:pic>
         <p:nvPicPr>
-          <p:cNvPr descr="MSB105-assign-2-presentasjon_files/figure-pptx/unnamed-chunk-7-1.png" id="0" name="Picture 1"/>
+          <p:cNvPr descr="MSB105-assign-2-presentasjon_files/figure-pptx/unnamed-chunk-6-1.png" id="0" name="Picture 1"/>
           <p:cNvPicPr>
             <a:picLocks noGrp="1" noChangeAspect="1"/>
           </p:cNvPicPr>
@@ -4092,7 +4117,7 @@
             </a:pPr>
             <a:r>
               <a:rPr/>
-              <a:t>11 diskusjon</a:t>
+              <a:t>13 diskusjon</a:t>
             </a:r>
           </a:p>
         </p:txBody>
@@ -4148,7 +4173,7 @@
             </a:pPr>
             <a:r>
               <a:rPr b="1"/>
-              <a:t>12 Stemmer funn med litteraturen? Mulige mekanismer? Begrensninger?</a:t>
+              <a:t>14 Stemmer funn med litteraturen? Mulige mekanismer? Begrensninger?</a:t>
             </a:r>
           </a:p>
         </p:txBody>
@@ -4195,7 +4220,7 @@
             </a:pPr>
             <a:r>
               <a:rPr/>
-              <a:t>13 konklusjon</a:t>
+              <a:t>15 konklusjon</a:t>
             </a:r>
           </a:p>
         </p:txBody>
@@ -4230,7 +4255,7 @@
             </a:pPr>
             <a:r>
               <a:rPr b="1"/>
-              <a:t>14 Impliserte videre steg (flere kontrollvariabler, robusthetstester, modellvalg)</a:t>
+              <a:t>16 Impliserte videre steg (flere kontrollvariabler, robusthetstester, modellvalg)</a:t>
             </a:r>
           </a:p>
           <a:p>
@@ -5052,6 +5077,29 @@
             <a:r>
               <a:rPr/>
               <a:t>5 Data grunnlag &amp; klargjøring</a:t>
+            </a:r>
+          </a:p>
+        </p:txBody>
+      </p:sp>
+      <p:sp>
+        <p:nvSpPr>
+          <p:cNvPr id="3" name="Content Placeholder 2"/>
+          <p:cNvSpPr>
+            <a:spLocks noGrp="1"/>
+          </p:cNvSpPr>
+          <p:nvPr>
+            <p:ph idx="1"/>
+          </p:nvPr>
+        </p:nvSpPr>
+        <p:spPr/>
+        <p:txBody>
+          <a:bodyPr/>
+          <a:lstStyle/>
+          <a:p>
+            <a:pPr lvl="0"/>
+            <a:r>
+              <a:rPr/>
+              <a:t>Henter data ut fra modellen heights, som er datasett fra rstudio sin pakke modelr</a:t>
             </a:r>
           </a:p>
         </p:txBody>
@@ -5614,6 +5662,31 @@
           <a:chExt cx="0" cy="0"/>
         </a:xfrm>
       </p:grpSpPr>
+      <p:sp>
+        <p:nvSpPr>
+          <p:cNvPr id="2" name="Title 1"/>
+          <p:cNvSpPr>
+            <a:spLocks noGrp="1"/>
+          </p:cNvSpPr>
+          <p:nvPr>
+            <p:ph type="title"/>
+          </p:nvPr>
+        </p:nvSpPr>
+        <p:spPr/>
+        <p:txBody>
+          <a:bodyPr/>
+          <a:lstStyle/>
+          <a:p>
+            <a:pPr lvl="0" indent="0" marL="0">
+              <a:buNone/>
+            </a:pPr>
+            <a:r>
+              <a:rPr/>
+              <a:t>8 </a:t>
+            </a:r>
+          </a:p>
+        </p:txBody>
+      </p:sp>
       <p:pic>
         <p:nvPicPr>
           <p:cNvPr descr="MSB105-assign-2-presentasjon_files/figure-pptx/unnamed-chunk-4-1.png" id="0" name="Picture 1"/>

--- a/MSB105 assign 2 presentasjon.pptx
+++ b/MSB105 assign 2 presentasjon.pptx
@@ -19,9 +19,6 @@
     <p:sldId id="267" r:id="rId13"/>
     <p:sldId id="268" r:id="rId14"/>
     <p:sldId id="269" r:id="rId15"/>
-    <p:sldId id="270" r:id="rId16"/>
-    <p:sldId id="271" r:id="rId17"/>
-    <p:sldId id="272" r:id="rId18"/>
   </p:sldIdLst>
   <p:sldSz cx="9144000" cy="5143500" type="screen16x9"/>
   <p:notesSz cx="6858000" cy="9144000"/>
@@ -3466,73 +3463,67 @@
             </a:pPr>
             <a:r>
               <a:rPr/>
-              <a:t>12 Korrelasjoner eller regresjonsmedell</a:t>
-            </a:r>
-          </a:p>
-        </p:txBody>
-      </p:sp>
-      <p:graphicFrame>
-        <p:nvGraphicFramePr>
-          <p:cNvPr id="6" name="Content Placeholder 5"/>
-          <p:cNvGraphicFramePr>
-            <a:graphicFrameLocks noGrp="1"/>
-          </p:cNvGraphicFramePr>
+              <a:t>12 diskusjon</a:t>
+            </a:r>
+          </a:p>
+        </p:txBody>
+      </p:sp>
+      <p:sp>
+        <p:nvSpPr>
+          <p:cNvPr id="3" name="Content Placeholder 2"/>
+          <p:cNvSpPr>
+            <a:spLocks noGrp="1"/>
+          </p:cNvSpPr>
           <p:nvPr>
             <p:ph idx="1"/>
           </p:nvPr>
-        </p:nvGraphicFramePr>
-        <p:xfrm>
-          <a:off x="457200" y="1193800"/>
-          <a:ext cx="8229600" cy="3390900"/>
-        </p:xfrm>
-        <a:graphic>
-          <a:graphicData uri="http://schemas.openxmlformats.org/drawingml/2006/table">
-            <a:tbl>
-              <a:tblPr firstRow="1" bandRow="1">
-                <a:tableStyleId>{5C22544A-7EE6-4342-B048-85BDC9FD1C3A}</a:tableStyleId>
-              </a:tblPr>
-              <a:tblGrid>
-                <a:gridCol w="8229600"/>
-              </a:tblGrid>
-              <a:tr h="0">
-                <a:tc>
-                  <a:txBody>
-                    <a:bodyPr/>
-                    <a:lstStyle/>
-                    <a:p>
-                      <a:pPr lvl="0" indent="0" marL="0" algn="r">
-                        <a:buNone/>
-                      </a:pPr>
-                      <a:r>
-                        <a:rPr/>
-                        <a:t>kor_income_afqt</a:t>
-                      </a:r>
-                    </a:p>
-                  </a:txBody>
-                  <a:tcPr/>
-                </a:tc>
-              </a:tr>
-              <a:tr h="0">
-                <a:tc>
-                  <a:txBody>
-                    <a:bodyPr/>
-                    <a:lstStyle/>
-                    <a:p>
-                      <a:pPr lvl="0" indent="0" marL="0" algn="r">
-                        <a:buNone/>
-                      </a:pPr>
-                      <a:r>
-                        <a:rPr/>
-                        <a:t>NA</a:t>
-                      </a:r>
-                    </a:p>
-                  </a:txBody>
-                </a:tc>
-              </a:tr>
-            </a:tbl>
-          </a:graphicData>
-        </a:graphic>
-      </p:graphicFrame>
+        </p:nvSpPr>
+        <p:spPr/>
+        <p:txBody>
+          <a:bodyPr/>
+          <a:lstStyle/>
+          <a:p>
+            <a:pPr lvl="0"/>
+            <a:r>
+              <a:rPr/>
+              <a:t>Hva viser figurene om:</a:t>
+            </a:r>
+          </a:p>
+          <a:p>
+            <a:pPr lvl="0"/>
+            <a:r>
+              <a:rPr/>
+              <a:t>Fordelingene (skjevhet, outliers)?</a:t>
+            </a:r>
+          </a:p>
+          <a:p>
+            <a:pPr lvl="0"/>
+            <a:r>
+              <a:rPr/>
+              <a:t>Kjønnsforskjeller i nivå?</a:t>
+            </a:r>
+          </a:p>
+          <a:p>
+            <a:pPr lvl="0"/>
+            <a:r>
+              <a:rPr/>
+              <a:t>Styrken/retningen på sammenhengen AFQT–inntekt?</a:t>
+            </a:r>
+          </a:p>
+          <a:p>
+            <a:pPr lvl="0" indent="0" marL="0">
+              <a:spcBef>
+                <a:spcPts val="3000"/>
+              </a:spcBef>
+              <a:buNone/>
+            </a:pPr>
+            <a:r>
+              <a:rPr b="1"/>
+              <a:t>13 Stemmer funn med litteraturen? Mulige mekanismer? Begrensninger?</a:t>
+            </a:r>
+          </a:p>
+        </p:txBody>
+      </p:sp>
     </p:spTree>
   </p:cSld>
 </p:sld>
@@ -3555,613 +3546,50 @@
           <a:chExt cx="0" cy="0"/>
         </a:xfrm>
       </p:grpSpPr>
-      <p:pic>
-        <p:nvPicPr>
-          <p:cNvPr descr="MSB105-assign-2-presentasjon_files/figure-pptx/unnamed-chunk-6-1.png" id="0" name="Picture 1"/>
-          <p:cNvPicPr>
-            <a:picLocks noGrp="1" noChangeAspect="1"/>
-          </p:cNvPicPr>
-          <p:nvPr/>
-        </p:nvPicPr>
-        <p:blipFill>
-          <a:blip r:embed="rId2"/>
-          <a:stretch>
-            <a:fillRect/>
-          </a:stretch>
-        </p:blipFill>
-        <p:spPr bwMode="auto">
-          <a:xfrm>
-            <a:off x="1181100" y="1193800"/>
-            <a:ext cx="6781800" cy="3390900"/>
-          </a:xfrm>
-          <a:prstGeom prst="rect">
-            <a:avLst/>
-          </a:prstGeom>
-          <a:noFill/>
-          <a:ln w="9525">
-            <a:noFill/>
-            <a:headEnd/>
-            <a:tailEnd/>
-          </a:ln>
-        </p:spPr>
-      </p:pic>
-    </p:spTree>
-  </p:cSld>
-</p:sld>
-</file>
-
-<file path=ppt/slides/slide15.xml><?xml version="1.0" encoding="utf-8"?>
-<p:sld xmlns:a="http://schemas.openxmlformats.org/drawingml/2006/main" xmlns:r="http://schemas.openxmlformats.org/officeDocument/2006/relationships" xmlns:p="http://schemas.openxmlformats.org/presentationml/2006/main">
-  <p:cSld>
-    <p:spTree>
-      <p:nvGrpSpPr>
-        <p:cNvPr id="1" name=""/>
-        <p:cNvGrpSpPr/>
-        <p:nvPr/>
-      </p:nvGrpSpPr>
-      <p:grpSpPr>
-        <a:xfrm>
-          <a:off x="0" y="0"/>
-          <a:ext cx="0" cy="0"/>
-          <a:chOff x="0" y="0"/>
-          <a:chExt cx="0" cy="0"/>
-        </a:xfrm>
-      </p:grpSpPr>
-      <p:graphicFrame>
-        <p:nvGraphicFramePr>
-          <p:cNvPr id="6" name="Content Placeholder 5"/>
-          <p:cNvGraphicFramePr>
-            <a:graphicFrameLocks noGrp="1"/>
-          </p:cNvGraphicFramePr>
+      <p:sp>
+        <p:nvSpPr>
+          <p:cNvPr id="2" name="Title 1"/>
+          <p:cNvSpPr>
+            <a:spLocks noGrp="1"/>
+          </p:cNvSpPr>
+          <p:nvPr>
+            <p:ph type="title"/>
+          </p:nvPr>
+        </p:nvSpPr>
+        <p:spPr/>
+        <p:txBody>
+          <a:bodyPr/>
+          <a:lstStyle/>
+          <a:p>
+            <a:pPr lvl="0" indent="0" marL="0">
+              <a:buNone/>
+            </a:pPr>
+            <a:r>
+              <a:rPr/>
+              <a:t>14 konklusjon</a:t>
+            </a:r>
+          </a:p>
+        </p:txBody>
+      </p:sp>
+      <p:sp>
+        <p:nvSpPr>
+          <p:cNvPr id="3" name="Content Placeholder 2"/>
+          <p:cNvSpPr>
+            <a:spLocks noGrp="1"/>
+          </p:cNvSpPr>
           <p:nvPr>
             <p:ph idx="1"/>
           </p:nvPr>
-        </p:nvGraphicFramePr>
-        <p:xfrm>
-          <a:off x="457200" y="1193800"/>
-          <a:ext cx="8229600" cy="3390900"/>
-        </p:xfrm>
-        <a:graphic>
-          <a:graphicData uri="http://schemas.openxmlformats.org/drawingml/2006/table">
-            <a:tbl>
-              <a:tblPr firstRow="1" bandRow="1">
-                <a:tableStyleId>{5C22544A-7EE6-4342-B048-85BDC9FD1C3A}</a:tableStyleId>
-              </a:tblPr>
-              <a:tblGrid>
-                <a:gridCol w="1358900"/>
-                <a:gridCol w="1244600"/>
-                <a:gridCol w="1130300"/>
-                <a:gridCol w="1130300"/>
-                <a:gridCol w="901700"/>
-                <a:gridCol w="1244600"/>
-                <a:gridCol w="1244600"/>
-              </a:tblGrid>
-              <a:tr h="0">
-                <a:tc>
-                  <a:txBody>
-                    <a:bodyPr/>
-                    <a:lstStyle/>
-                    <a:p>
-                      <a:pPr lvl="0" indent="0" marL="0" algn="l">
-                        <a:buNone/>
-                      </a:pPr>
-                      <a:r>
-                        <a:rPr/>
-                        <a:t>term</a:t>
-                      </a:r>
-                    </a:p>
-                  </a:txBody>
-                  <a:tcPr/>
-                </a:tc>
-                <a:tc>
-                  <a:txBody>
-                    <a:bodyPr/>
-                    <a:lstStyle/>
-                    <a:p>
-                      <a:pPr lvl="0" indent="0" marL="0" algn="r">
-                        <a:buNone/>
-                      </a:pPr>
-                      <a:r>
-                        <a:rPr/>
-                        <a:t>estimate</a:t>
-                      </a:r>
-                    </a:p>
-                  </a:txBody>
-                  <a:tcPr/>
-                </a:tc>
-                <a:tc>
-                  <a:txBody>
-                    <a:bodyPr/>
-                    <a:lstStyle/>
-                    <a:p>
-                      <a:pPr lvl="0" indent="0" marL="0" algn="r">
-                        <a:buNone/>
-                      </a:pPr>
-                      <a:r>
-                        <a:rPr/>
-                        <a:t>std.error</a:t>
-                      </a:r>
-                    </a:p>
-                  </a:txBody>
-                  <a:tcPr/>
-                </a:tc>
-                <a:tc>
-                  <a:txBody>
-                    <a:bodyPr/>
-                    <a:lstStyle/>
-                    <a:p>
-                      <a:pPr lvl="0" indent="0" marL="0" algn="r">
-                        <a:buNone/>
-                      </a:pPr>
-                      <a:r>
-                        <a:rPr/>
-                        <a:t>statistic</a:t>
-                      </a:r>
-                    </a:p>
-                  </a:txBody>
-                  <a:tcPr/>
-                </a:tc>
-                <a:tc>
-                  <a:txBody>
-                    <a:bodyPr/>
-                    <a:lstStyle/>
-                    <a:p>
-                      <a:pPr lvl="0" indent="0" marL="0" algn="r">
-                        <a:buNone/>
-                      </a:pPr>
-                      <a:r>
-                        <a:rPr/>
-                        <a:t>p.value</a:t>
-                      </a:r>
-                    </a:p>
-                  </a:txBody>
-                  <a:tcPr/>
-                </a:tc>
-                <a:tc>
-                  <a:txBody>
-                    <a:bodyPr/>
-                    <a:lstStyle/>
-                    <a:p>
-                      <a:pPr lvl="0" indent="0" marL="0" algn="r">
-                        <a:buNone/>
-                      </a:pPr>
-                      <a:r>
-                        <a:rPr/>
-                        <a:t>conf.low</a:t>
-                      </a:r>
-                    </a:p>
-                  </a:txBody>
-                  <a:tcPr/>
-                </a:tc>
-                <a:tc>
-                  <a:txBody>
-                    <a:bodyPr/>
-                    <a:lstStyle/>
-                    <a:p>
-                      <a:pPr lvl="0" indent="0" marL="0" algn="r">
-                        <a:buNone/>
-                      </a:pPr>
-                      <a:r>
-                        <a:rPr/>
-                        <a:t>conf.high</a:t>
-                      </a:r>
-                    </a:p>
-                  </a:txBody>
-                  <a:tcPr/>
-                </a:tc>
-              </a:tr>
-              <a:tr h="0">
-                <a:tc>
-                  <a:txBody>
-                    <a:bodyPr/>
-                    <a:lstStyle/>
-                    <a:p>
-                      <a:pPr lvl="0" indent="0" marL="0" algn="l">
-                        <a:buNone/>
-                      </a:pPr>
-                      <a:r>
-                        <a:rPr/>
-                        <a:t>(Intercept)</a:t>
-                      </a:r>
-                    </a:p>
-                  </a:txBody>
-                </a:tc>
-                <a:tc>
-                  <a:txBody>
-                    <a:bodyPr/>
-                    <a:lstStyle/>
-                    <a:p>
-                      <a:pPr lvl="0" indent="0" marL="0" algn="r">
-                        <a:buNone/>
-                      </a:pPr>
-                      <a:r>
-                        <a:rPr/>
-                        <a:t>22660.058</a:t>
-                      </a:r>
-                    </a:p>
-                  </a:txBody>
-                </a:tc>
-                <a:tc>
-                  <a:txBody>
-                    <a:bodyPr/>
-                    <a:lstStyle/>
-                    <a:p>
-                      <a:pPr lvl="0" indent="0" marL="0" algn="r">
-                        <a:buNone/>
-                      </a:pPr>
-                      <a:r>
-                        <a:rPr/>
-                        <a:t>1259.897</a:t>
-                      </a:r>
-                    </a:p>
-                  </a:txBody>
-                </a:tc>
-                <a:tc>
-                  <a:txBody>
-                    <a:bodyPr/>
-                    <a:lstStyle/>
-                    <a:p>
-                      <a:pPr lvl="0" indent="0" marL="0" algn="r">
-                        <a:buNone/>
-                      </a:pPr>
-                      <a:r>
-                        <a:rPr/>
-                        <a:t>17.986</a:t>
-                      </a:r>
-                    </a:p>
-                  </a:txBody>
-                </a:tc>
-                <a:tc>
-                  <a:txBody>
-                    <a:bodyPr/>
-                    <a:lstStyle/>
-                    <a:p>
-                      <a:pPr lvl="0" indent="0" marL="0" algn="r">
-                        <a:buNone/>
-                      </a:pPr>
-                      <a:r>
-                        <a:rPr/>
-                        <a:t>0</a:t>
-                      </a:r>
-                    </a:p>
-                  </a:txBody>
-                </a:tc>
-                <a:tc>
-                  <a:txBody>
-                    <a:bodyPr/>
-                    <a:lstStyle/>
-                    <a:p>
-                      <a:pPr lvl="0" indent="0" marL="0" algn="r">
-                        <a:buNone/>
-                      </a:pPr>
-                      <a:r>
-                        <a:rPr/>
-                        <a:t>20190.262</a:t>
-                      </a:r>
-                    </a:p>
-                  </a:txBody>
-                </a:tc>
-                <a:tc>
-                  <a:txBody>
-                    <a:bodyPr/>
-                    <a:lstStyle/>
-                    <a:p>
-                      <a:pPr lvl="0" indent="0" marL="0" algn="r">
-                        <a:buNone/>
-                      </a:pPr>
-                      <a:r>
-                        <a:rPr/>
-                        <a:t>25129.854</a:t>
-                      </a:r>
-                    </a:p>
-                  </a:txBody>
-                </a:tc>
-              </a:tr>
-              <a:tr h="0">
-                <a:tc>
-                  <a:txBody>
-                    <a:bodyPr/>
-                    <a:lstStyle/>
-                    <a:p>
-                      <a:pPr lvl="0" indent="0" marL="0" algn="l">
-                        <a:buNone/>
-                      </a:pPr>
-                      <a:r>
-                        <a:rPr/>
-                        <a:t>afqt</a:t>
-                      </a:r>
-                    </a:p>
-                  </a:txBody>
-                </a:tc>
-                <a:tc>
-                  <a:txBody>
-                    <a:bodyPr/>
-                    <a:lstStyle/>
-                    <a:p>
-                      <a:pPr lvl="0" indent="0" marL="0" algn="r">
-                        <a:buNone/>
-                      </a:pPr>
-                      <a:r>
-                        <a:rPr/>
-                        <a:t>754.528</a:t>
-                      </a:r>
-                    </a:p>
-                  </a:txBody>
-                </a:tc>
-                <a:tc>
-                  <a:txBody>
-                    <a:bodyPr/>
-                    <a:lstStyle/>
-                    <a:p>
-                      <a:pPr lvl="0" indent="0" marL="0" algn="r">
-                        <a:buNone/>
-                      </a:pPr>
-                      <a:r>
-                        <a:rPr/>
-                        <a:t>21.289</a:t>
-                      </a:r>
-                    </a:p>
-                  </a:txBody>
-                </a:tc>
-                <a:tc>
-                  <a:txBody>
-                    <a:bodyPr/>
-                    <a:lstStyle/>
-                    <a:p>
-                      <a:pPr lvl="0" indent="0" marL="0" algn="r">
-                        <a:buNone/>
-                      </a:pPr>
-                      <a:r>
-                        <a:rPr/>
-                        <a:t>35.443</a:t>
-                      </a:r>
-                    </a:p>
-                  </a:txBody>
-                </a:tc>
-                <a:tc>
-                  <a:txBody>
-                    <a:bodyPr/>
-                    <a:lstStyle/>
-                    <a:p>
-                      <a:pPr lvl="0" indent="0" marL="0" algn="r">
-                        <a:buNone/>
-                      </a:pPr>
-                      <a:r>
-                        <a:rPr/>
-                        <a:t>0</a:t>
-                      </a:r>
-                    </a:p>
-                  </a:txBody>
-                </a:tc>
-                <a:tc>
-                  <a:txBody>
-                    <a:bodyPr/>
-                    <a:lstStyle/>
-                    <a:p>
-                      <a:pPr lvl="0" indent="0" marL="0" algn="r">
-                        <a:buNone/>
-                      </a:pPr>
-                      <a:r>
-                        <a:rPr/>
-                        <a:t>712.796</a:t>
-                      </a:r>
-                    </a:p>
-                  </a:txBody>
-                </a:tc>
-                <a:tc>
-                  <a:txBody>
-                    <a:bodyPr/>
-                    <a:lstStyle/>
-                    <a:p>
-                      <a:pPr lvl="0" indent="0" marL="0" algn="r">
-                        <a:buNone/>
-                      </a:pPr>
-                      <a:r>
-                        <a:rPr/>
-                        <a:t>796.261</a:t>
-                      </a:r>
-                    </a:p>
-                  </a:txBody>
-                </a:tc>
-              </a:tr>
-              <a:tr h="0">
-                <a:tc>
-                  <a:txBody>
-                    <a:bodyPr/>
-                    <a:lstStyle/>
-                    <a:p>
-                      <a:pPr lvl="0" indent="0" marL="0" algn="l">
-                        <a:buNone/>
-                      </a:pPr>
-                      <a:r>
-                        <a:rPr/>
-                        <a:t>sexfemale</a:t>
-                      </a:r>
-                    </a:p>
-                  </a:txBody>
-                </a:tc>
-                <a:tc>
-                  <a:txBody>
-                    <a:bodyPr/>
-                    <a:lstStyle/>
-                    <a:p>
-                      <a:pPr lvl="0" indent="0" marL="0" algn="r">
-                        <a:buNone/>
-                      </a:pPr>
-                      <a:r>
-                        <a:rPr/>
-                        <a:t>-23385.290</a:t>
-                      </a:r>
-                    </a:p>
-                  </a:txBody>
-                </a:tc>
-                <a:tc>
-                  <a:txBody>
-                    <a:bodyPr/>
-                    <a:lstStyle/>
-                    <a:p>
-                      <a:pPr lvl="0" indent="0" marL="0" algn="r">
-                        <a:buNone/>
-                      </a:pPr>
-                      <a:r>
-                        <a:rPr/>
-                        <a:t>1236.818</a:t>
-                      </a:r>
-                    </a:p>
-                  </a:txBody>
-                </a:tc>
-                <a:tc>
-                  <a:txBody>
-                    <a:bodyPr/>
-                    <a:lstStyle/>
-                    <a:p>
-                      <a:pPr lvl="0" indent="0" marL="0" algn="r">
-                        <a:buNone/>
-                      </a:pPr>
-                      <a:r>
-                        <a:rPr/>
-                        <a:t>-18.908</a:t>
-                      </a:r>
-                    </a:p>
-                  </a:txBody>
-                </a:tc>
-                <a:tc>
-                  <a:txBody>
-                    <a:bodyPr/>
-                    <a:lstStyle/>
-                    <a:p>
-                      <a:pPr lvl="0" indent="0" marL="0" algn="r">
-                        <a:buNone/>
-                      </a:pPr>
-                      <a:r>
-                        <a:rPr/>
-                        <a:t>0</a:t>
-                      </a:r>
-                    </a:p>
-                  </a:txBody>
-                </a:tc>
-                <a:tc>
-                  <a:txBody>
-                    <a:bodyPr/>
-                    <a:lstStyle/>
-                    <a:p>
-                      <a:pPr lvl="0" indent="0" marL="0" algn="r">
-                        <a:buNone/>
-                      </a:pPr>
-                      <a:r>
-                        <a:rPr/>
-                        <a:t>-25809.843</a:t>
-                      </a:r>
-                    </a:p>
-                  </a:txBody>
-                </a:tc>
-                <a:tc>
-                  <a:txBody>
-                    <a:bodyPr/>
-                    <a:lstStyle/>
-                    <a:p>
-                      <a:pPr lvl="0" indent="0" marL="0" algn="r">
-                        <a:buNone/>
-                      </a:pPr>
-                      <a:r>
-                        <a:rPr/>
-                        <a:t>-20960.736</a:t>
-                      </a:r>
-                    </a:p>
-                  </a:txBody>
-                </a:tc>
-              </a:tr>
-            </a:tbl>
-          </a:graphicData>
-        </a:graphic>
-      </p:graphicFrame>
-    </p:spTree>
-  </p:cSld>
-</p:sld>
-</file>
-
-<file path=ppt/slides/slide16.xml><?xml version="1.0" encoding="utf-8"?>
-<p:sld xmlns:a="http://schemas.openxmlformats.org/drawingml/2006/main" xmlns:r="http://schemas.openxmlformats.org/officeDocument/2006/relationships" xmlns:p="http://schemas.openxmlformats.org/presentationml/2006/main">
-  <p:cSld>
-    <p:spTree>
-      <p:nvGrpSpPr>
-        <p:cNvPr id="1" name=""/>
-        <p:cNvGrpSpPr/>
-        <p:nvPr/>
-      </p:nvGrpSpPr>
-      <p:grpSpPr>
-        <a:xfrm>
-          <a:off x="0" y="0"/>
-          <a:ext cx="0" cy="0"/>
-          <a:chOff x="0" y="0"/>
-          <a:chExt cx="0" cy="0"/>
-        </a:xfrm>
-      </p:grpSpPr>
-      <p:sp>
-        <p:nvSpPr>
-          <p:cNvPr id="2" name="Title 1"/>
-          <p:cNvSpPr>
-            <a:spLocks noGrp="1"/>
-          </p:cNvSpPr>
-          <p:nvPr>
-            <p:ph type="title"/>
-          </p:nvPr>
-        </p:nvSpPr>
-        <p:spPr/>
-        <p:txBody>
-          <a:bodyPr/>
-          <a:lstStyle/>
-          <a:p>
-            <a:pPr lvl="0" indent="0" marL="0">
-              <a:buNone/>
-            </a:pPr>
+        </p:nvSpPr>
+        <p:spPr/>
+        <p:txBody>
+          <a:bodyPr/>
+          <a:lstStyle/>
+          <a:p>
+            <a:pPr lvl="0"/>
             <a:r>
               <a:rPr/>
-              <a:t>13 diskusjon</a:t>
-            </a:r>
-          </a:p>
-        </p:txBody>
-      </p:sp>
-      <p:sp>
-        <p:nvSpPr>
-          <p:cNvPr id="3" name="Content Placeholder 2"/>
-          <p:cNvSpPr>
-            <a:spLocks noGrp="1"/>
-          </p:cNvSpPr>
-          <p:nvPr>
-            <p:ph idx="1"/>
-          </p:nvPr>
-        </p:nvSpPr>
-        <p:spPr/>
-        <p:txBody>
-          <a:bodyPr/>
-          <a:lstStyle/>
-          <a:p>
-            <a:pPr lvl="0"/>
-            <a:r>
-              <a:rPr/>
-              <a:t>Hva viser figurene om:</a:t>
-            </a:r>
-          </a:p>
-          <a:p>
-            <a:pPr lvl="0"/>
-            <a:r>
-              <a:rPr/>
-              <a:t>Fordelingene (skjevhet, outliers)?</a:t>
-            </a:r>
-          </a:p>
-          <a:p>
-            <a:pPr lvl="0"/>
-            <a:r>
-              <a:rPr/>
-              <a:t>Kjønnsforskjeller i nivå?</a:t>
-            </a:r>
-          </a:p>
-          <a:p>
-            <a:pPr lvl="0"/>
-            <a:r>
-              <a:rPr/>
-              <a:t>Styrken/retningen på sammenhengen AFQT–inntekt?</a:t>
+              <a:t>Kort oppsummering av hovedfunn</a:t>
             </a:r>
           </a:p>
           <a:p>
@@ -4173,89 +3601,7 @@
             </a:pPr>
             <a:r>
               <a:rPr b="1"/>
-              <a:t>14 Stemmer funn med litteraturen? Mulige mekanismer? Begrensninger?</a:t>
-            </a:r>
-          </a:p>
-        </p:txBody>
-      </p:sp>
-    </p:spTree>
-  </p:cSld>
-</p:sld>
-</file>
-
-<file path=ppt/slides/slide17.xml><?xml version="1.0" encoding="utf-8"?>
-<p:sld xmlns:a="http://schemas.openxmlformats.org/drawingml/2006/main" xmlns:r="http://schemas.openxmlformats.org/officeDocument/2006/relationships" xmlns:p="http://schemas.openxmlformats.org/presentationml/2006/main">
-  <p:cSld>
-    <p:spTree>
-      <p:nvGrpSpPr>
-        <p:cNvPr id="1" name=""/>
-        <p:cNvGrpSpPr/>
-        <p:nvPr/>
-      </p:nvGrpSpPr>
-      <p:grpSpPr>
-        <a:xfrm>
-          <a:off x="0" y="0"/>
-          <a:ext cx="0" cy="0"/>
-          <a:chOff x="0" y="0"/>
-          <a:chExt cx="0" cy="0"/>
-        </a:xfrm>
-      </p:grpSpPr>
-      <p:sp>
-        <p:nvSpPr>
-          <p:cNvPr id="2" name="Title 1"/>
-          <p:cNvSpPr>
-            <a:spLocks noGrp="1"/>
-          </p:cNvSpPr>
-          <p:nvPr>
-            <p:ph type="title"/>
-          </p:nvPr>
-        </p:nvSpPr>
-        <p:spPr/>
-        <p:txBody>
-          <a:bodyPr/>
-          <a:lstStyle/>
-          <a:p>
-            <a:pPr lvl="0" indent="0" marL="0">
-              <a:buNone/>
-            </a:pPr>
-            <a:r>
-              <a:rPr/>
-              <a:t>15 konklusjon</a:t>
-            </a:r>
-          </a:p>
-        </p:txBody>
-      </p:sp>
-      <p:sp>
-        <p:nvSpPr>
-          <p:cNvPr id="3" name="Content Placeholder 2"/>
-          <p:cNvSpPr>
-            <a:spLocks noGrp="1"/>
-          </p:cNvSpPr>
-          <p:nvPr>
-            <p:ph idx="1"/>
-          </p:nvPr>
-        </p:nvSpPr>
-        <p:spPr/>
-        <p:txBody>
-          <a:bodyPr/>
-          <a:lstStyle/>
-          <a:p>
-            <a:pPr lvl="0"/>
-            <a:r>
-              <a:rPr/>
-              <a:t>Kort oppsummering av hovedfunn</a:t>
-            </a:r>
-          </a:p>
-          <a:p>
-            <a:pPr lvl="0" indent="0" marL="0">
-              <a:spcBef>
-                <a:spcPts val="3000"/>
-              </a:spcBef>
-              <a:buNone/>
-            </a:pPr>
-            <a:r>
-              <a:rPr b="1"/>
-              <a:t>16 Impliserte videre steg (flere kontrollvariabler, robusthetstester, modellvalg)</a:t>
+              <a:t>15 Impliserte videre steg (flere kontrollvariabler, robusthetstester, modellvalg)</a:t>
             </a:r>
           </a:p>
           <a:p>
@@ -5558,7 +4904,7 @@
             </a:pPr>
             <a:r>
               <a:rPr/>
-              <a:t>Sammendrag av utvalgets nokkelstatistikk</a:t>
+              <a:t>Sammendragn av utvalgets nokkelstatistikk</a:t>
             </a:r>
           </a:p>
         </p:txBody>
